--- a/papers/Презентация.pptx
+++ b/papers/Презентация.pptx
@@ -5,7 +5,7 @@
     <p:sldMasterId id="2147483660" r:id="rId1"/>
   </p:sldMasterIdLst>
   <p:notesMasterIdLst>
-    <p:notesMasterId r:id="rId19"/>
+    <p:notesMasterId r:id="rId21"/>
   </p:notesMasterIdLst>
   <p:sldIdLst>
     <p:sldId id="271" r:id="rId2"/>
@@ -13,18 +13,20 @@
     <p:sldId id="274" r:id="rId4"/>
     <p:sldId id="260" r:id="rId5"/>
     <p:sldId id="259" r:id="rId6"/>
-    <p:sldId id="275" r:id="rId7"/>
-    <p:sldId id="276" r:id="rId8"/>
-    <p:sldId id="261" r:id="rId9"/>
-    <p:sldId id="277" r:id="rId10"/>
-    <p:sldId id="278" r:id="rId11"/>
-    <p:sldId id="266" r:id="rId12"/>
-    <p:sldId id="279" r:id="rId13"/>
-    <p:sldId id="280" r:id="rId14"/>
-    <p:sldId id="284" r:id="rId15"/>
-    <p:sldId id="285" r:id="rId16"/>
-    <p:sldId id="283" r:id="rId17"/>
+    <p:sldId id="266" r:id="rId7"/>
+    <p:sldId id="261" r:id="rId8"/>
+    <p:sldId id="278" r:id="rId9"/>
+    <p:sldId id="279" r:id="rId10"/>
+    <p:sldId id="277" r:id="rId11"/>
+    <p:sldId id="280" r:id="rId12"/>
+    <p:sldId id="284" r:id="rId13"/>
+    <p:sldId id="285" r:id="rId14"/>
+    <p:sldId id="283" r:id="rId15"/>
+    <p:sldId id="286" r:id="rId16"/>
+    <p:sldId id="287" r:id="rId17"/>
     <p:sldId id="262" r:id="rId18"/>
+    <p:sldId id="275" r:id="rId19"/>
+    <p:sldId id="276" r:id="rId20"/>
   </p:sldIdLst>
   <p:sldSz cx="9144000" cy="6858000" type="screen4x3"/>
   <p:notesSz cx="6858000" cy="9144000"/>
@@ -124,6 +126,37 @@
     </a:lvl9pPr>
   </p:defaultTextStyle>
   <p:extLst>
+    <p:ext uri="{521415D9-36F7-43E2-AB2F-B90AF26B5E84}">
+      <p14:sectionLst xmlns:p14="http://schemas.microsoft.com/office/powerpoint/2010/main">
+        <p14:section name="Раздел по умолчанию" id="{532A113B-09B4-4D98-B5EC-30FE0601F9C2}">
+          <p14:sldIdLst>
+            <p14:sldId id="271"/>
+            <p14:sldId id="272"/>
+            <p14:sldId id="274"/>
+            <p14:sldId id="260"/>
+            <p14:sldId id="259"/>
+            <p14:sldId id="266"/>
+            <p14:sldId id="261"/>
+            <p14:sldId id="278"/>
+            <p14:sldId id="279"/>
+            <p14:sldId id="277"/>
+            <p14:sldId id="280"/>
+            <p14:sldId id="284"/>
+            <p14:sldId id="285"/>
+            <p14:sldId id="283"/>
+            <p14:sldId id="286"/>
+            <p14:sldId id="287"/>
+            <p14:sldId id="262"/>
+          </p14:sldIdLst>
+        </p14:section>
+        <p14:section name="Корзина" id="{FB712598-211F-4E2E-8A6C-81134BB9E35D}">
+          <p14:sldIdLst>
+            <p14:sldId id="275"/>
+            <p14:sldId id="276"/>
+          </p14:sldIdLst>
+        </p14:section>
+      </p14:sectionLst>
+    </p:ext>
     <p:ext uri="{EFAFB233-063F-42B5-8137-9DF3F51BA10A}">
       <p15:sldGuideLst xmlns:p15="http://schemas.microsoft.com/office/powerpoint/2012/main">
         <p15:guide id="1" orient="horz" pos="232" userDrawn="1">
@@ -1574,7 +1607,7 @@
           <a:p>
             <a:fld id="{DAC96341-CEEA-44A7-814B-385C3022C572}" type="datetimeFigureOut">
               <a:rPr lang="ru-RU" smtClean="0"/>
-              <a:t>20.05.2020</a:t>
+              <a:t>08.06.2020</a:t>
             </a:fld>
             <a:endParaRPr lang="ru-RU"/>
           </a:p>
@@ -1972,7 +2005,7 @@
           <a:p>
             <a:fld id="{063305D5-748F-4A01-AA40-B5950658AF64}" type="datetime1">
               <a:rPr lang="ru-RU" smtClean="0"/>
-              <a:t>20.05.2020</a:t>
+              <a:t>08.06.2020</a:t>
             </a:fld>
             <a:endParaRPr lang="ru-RU"/>
           </a:p>
@@ -2142,7 +2175,7 @@
           <a:p>
             <a:fld id="{B03FA372-A0DB-4A54-B350-C8FD52014FB0}" type="datetime1">
               <a:rPr lang="ru-RU" smtClean="0"/>
-              <a:t>20.05.2020</a:t>
+              <a:t>08.06.2020</a:t>
             </a:fld>
             <a:endParaRPr lang="ru-RU"/>
           </a:p>
@@ -2322,7 +2355,7 @@
           <a:p>
             <a:fld id="{D5690166-074C-49ED-9CF5-3F6A90005EB3}" type="datetime1">
               <a:rPr lang="ru-RU" smtClean="0"/>
-              <a:t>20.05.2020</a:t>
+              <a:t>08.06.2020</a:t>
             </a:fld>
             <a:endParaRPr lang="ru-RU"/>
           </a:p>
@@ -2514,7 +2547,7 @@
           <a:p>
             <a:fld id="{E3AE26DD-3656-42DA-B71B-23CC6B18D1C2}" type="datetime1">
               <a:rPr lang="ru-RU" smtClean="0"/>
-              <a:t>20.05.2020</a:t>
+              <a:t>08.06.2020</a:t>
             </a:fld>
             <a:endParaRPr lang="ru-RU"/>
           </a:p>
@@ -2758,7 +2791,7 @@
           <a:p>
             <a:fld id="{144EDA76-FB1A-4AF6-B344-AF73CC44A3EF}" type="datetime1">
               <a:rPr lang="ru-RU" smtClean="0"/>
-              <a:t>20.05.2020</a:t>
+              <a:t>08.06.2020</a:t>
             </a:fld>
             <a:endParaRPr lang="ru-RU"/>
           </a:p>
@@ -2990,7 +3023,7 @@
           <a:p>
             <a:fld id="{50AC0661-BF19-4BD9-B8D8-E34396BB91DD}" type="datetime1">
               <a:rPr lang="ru-RU" smtClean="0"/>
-              <a:t>20.05.2020</a:t>
+              <a:t>08.06.2020</a:t>
             </a:fld>
             <a:endParaRPr lang="ru-RU"/>
           </a:p>
@@ -3357,7 +3390,7 @@
           <a:p>
             <a:fld id="{DB4B5E17-280A-437F-8B01-5C30C7C462D4}" type="datetime1">
               <a:rPr lang="ru-RU" smtClean="0"/>
-              <a:t>20.05.2020</a:t>
+              <a:t>08.06.2020</a:t>
             </a:fld>
             <a:endParaRPr lang="ru-RU"/>
           </a:p>
@@ -3475,7 +3508,7 @@
           <a:p>
             <a:fld id="{9636A113-9763-45A9-9028-CF96A4870FDB}" type="datetime1">
               <a:rPr lang="ru-RU" smtClean="0"/>
-              <a:t>20.05.2020</a:t>
+              <a:t>08.06.2020</a:t>
             </a:fld>
             <a:endParaRPr lang="ru-RU"/>
           </a:p>
@@ -3570,7 +3603,7 @@
           <a:p>
             <a:fld id="{6592CC54-6E1A-44C8-9370-E6F5F3E84ABE}" type="datetime1">
               <a:rPr lang="ru-RU" smtClean="0"/>
-              <a:t>20.05.2020</a:t>
+              <a:t>08.06.2020</a:t>
             </a:fld>
             <a:endParaRPr lang="ru-RU" dirty="0"/>
           </a:p>
@@ -3852,7 +3885,7 @@
           <a:p>
             <a:fld id="{8B065403-7BDB-4756-88D8-A519CD52EC0D}" type="datetime1">
               <a:rPr lang="ru-RU" smtClean="0"/>
-              <a:t>20.05.2020</a:t>
+              <a:t>08.06.2020</a:t>
             </a:fld>
             <a:endParaRPr lang="ru-RU"/>
           </a:p>
@@ -4109,7 +4142,7 @@
           <a:p>
             <a:fld id="{F5D975CC-9565-43AE-8E9A-3E052C10EB2A}" type="datetime1">
               <a:rPr lang="ru-RU" smtClean="0"/>
-              <a:t>20.05.2020</a:t>
+              <a:t>08.06.2020</a:t>
             </a:fld>
             <a:endParaRPr lang="ru-RU"/>
           </a:p>
@@ -4322,7 +4355,7 @@
           <a:p>
             <a:fld id="{76F17A87-39DF-409D-BBB8-4334071303C7}" type="datetime1">
               <a:rPr lang="ru-RU" smtClean="0"/>
-              <a:t>20.05.2020</a:t>
+              <a:t>08.06.2020</a:t>
             </a:fld>
             <a:endParaRPr lang="ru-RU"/>
           </a:p>
@@ -4923,7 +4956,7 @@
           <p:cNvPr id="2" name="Номер слайда 1">
             <a:extLst>
               <a:ext uri="{FF2B5EF4-FFF2-40B4-BE49-F238E27FC236}">
-                <a16:creationId xmlns:a16="http://schemas.microsoft.com/office/drawing/2014/main" id="{DD6E6062-A3C7-4EA4-BD29-3C017686A93F}"/>
+                <a16:creationId xmlns:a16="http://schemas.microsoft.com/office/drawing/2014/main" id="{8351C660-D522-4D46-A346-6755AC3C4652}"/>
               </a:ext>
             </a:extLst>
           </p:cNvPr>
@@ -4953,7 +4986,7 @@
           <p:cNvPr id="4" name="Прямоугольник 3">
             <a:extLst>
               <a:ext uri="{FF2B5EF4-FFF2-40B4-BE49-F238E27FC236}">
-                <a16:creationId xmlns:a16="http://schemas.microsoft.com/office/drawing/2014/main" id="{9A62FAC2-AC5D-4786-9E38-0A0ED49FEFED}"/>
+                <a16:creationId xmlns:a16="http://schemas.microsoft.com/office/drawing/2014/main" id="{BB891C6D-0980-410C-B44D-9FCD6FF781E2}"/>
               </a:ext>
             </a:extLst>
           </p:cNvPr>
@@ -4962,8 +4995,8 @@
         </p:nvSpPr>
         <p:spPr>
           <a:xfrm>
-            <a:off x="611188" y="385943"/>
-            <a:ext cx="7904162" cy="1569660"/>
+            <a:off x="611187" y="368300"/>
+            <a:ext cx="7921625" cy="1200329"/>
           </a:xfrm>
           <a:prstGeom prst="rect">
             <a:avLst/>
@@ -4976,99 +5009,70 @@
           <a:lstStyle/>
           <a:p>
             <a:r>
-              <a:rPr lang="ru-RU" sz="2400" b="1" dirty="0"/>
-              <a:t>U-</a:t>
-            </a:r>
-            <a:r>
               <a:rPr lang="ru-RU" sz="2400" b="1" dirty="0" err="1"/>
-              <a:t>Net</a:t>
+              <a:t>Feature</a:t>
             </a:r>
             <a:r>
               <a:rPr lang="ru-RU" sz="2400" b="1" dirty="0"/>
               <a:t> </a:t>
             </a:r>
             <a:r>
+              <a:rPr lang="ru-RU" sz="2400" b="1" dirty="0" err="1"/>
+              <a:t>Loss</a:t>
+            </a:r>
+            <a:r>
+              <a:rPr lang="ru-RU" sz="2400" b="1" dirty="0"/>
+              <a:t> </a:t>
+            </a:r>
+            <a:r>
               <a:rPr lang="ru-RU" sz="2400" dirty="0"/>
-              <a:t>— это </a:t>
+              <a:t>– эта техника при которой вместо </a:t>
             </a:r>
             <a:r>
               <a:rPr lang="ru-RU" sz="2400" dirty="0" err="1"/>
-              <a:t>свёрточная</a:t>
+              <a:t>попиксельного</a:t>
             </a:r>
             <a:r>
               <a:rPr lang="ru-RU" sz="2400" dirty="0"/>
-              <a:t> нейронная сеть, которая была создана в 2015 году для сегментации биомедицинских изображений в отделении </a:t>
-            </a:r>
-            <a:r>
-              <a:rPr lang="ru-RU" sz="2400" dirty="0" err="1"/>
-              <a:t>Computer</a:t>
-            </a:r>
-            <a:r>
-              <a:rPr lang="ru-RU" sz="2400" dirty="0"/>
-              <a:t> </a:t>
-            </a:r>
-            <a:r>
-              <a:rPr lang="ru-RU" sz="2400" dirty="0" err="1"/>
-              <a:t>Science</a:t>
-            </a:r>
-            <a:r>
-              <a:rPr lang="ru-RU" sz="2400" dirty="0"/>
-              <a:t> </a:t>
-            </a:r>
-            <a:r>
-              <a:rPr lang="ru-RU" sz="2400" dirty="0" err="1"/>
-              <a:t>Фрайбургского</a:t>
-            </a:r>
-            <a:r>
-              <a:rPr lang="ru-RU" sz="2400" dirty="0"/>
-              <a:t> университета. </a:t>
+              <a:t> сравнения картинок сравниваются высокоуровневые характеристики картинок.</a:t>
             </a:r>
           </a:p>
         </p:txBody>
       </p:sp>
       <p:pic>
         <p:nvPicPr>
-          <p:cNvPr id="5" name="Рисунок 4">
+          <p:cNvPr id="6" name="Рисунок 5" descr="Изображение выглядит как снимок экрана&#10;&#10;Автоматически созданное описание">
             <a:extLst>
               <a:ext uri="{FF2B5EF4-FFF2-40B4-BE49-F238E27FC236}">
-                <a16:creationId xmlns:a16="http://schemas.microsoft.com/office/drawing/2014/main" id="{5E0E76CE-BC2D-46E4-AC92-757983D90DAD}"/>
+                <a16:creationId xmlns:a16="http://schemas.microsoft.com/office/drawing/2014/main" id="{F6596DC2-97B5-4290-B8EC-7CD9ACA7F6C7}"/>
               </a:ext>
             </a:extLst>
           </p:cNvPr>
-          <p:cNvPicPr/>
+          <p:cNvPicPr>
+            <a:picLocks noChangeAspect="1"/>
+          </p:cNvPicPr>
           <p:nvPr/>
         </p:nvPicPr>
         <p:blipFill>
-          <a:blip r:embed="rId2" cstate="print">
-            <a:extLst>
-              <a:ext uri="{28A0092B-C50C-407E-A947-70E740481C1C}">
-                <a14:useLocalDpi xmlns:a14="http://schemas.microsoft.com/office/drawing/2010/main" val="0"/>
-              </a:ext>
-            </a:extLst>
-          </a:blip>
-          <a:srcRect/>
+          <a:blip r:embed="rId2"/>
           <a:stretch>
             <a:fillRect/>
           </a:stretch>
         </p:blipFill>
-        <p:spPr bwMode="auto">
+        <p:spPr>
           <a:xfrm>
-            <a:off x="1799136" y="2386491"/>
-            <a:ext cx="5545727" cy="3697151"/>
+            <a:off x="611187" y="1568629"/>
+            <a:ext cx="7897625" cy="4027789"/>
           </a:xfrm>
           <a:prstGeom prst="rect">
             <a:avLst/>
           </a:prstGeom>
-          <a:noFill/>
-          <a:ln>
-            <a:noFill/>
-          </a:ln>
         </p:spPr>
       </p:pic>
     </p:spTree>
     <p:extLst>
       <p:ext uri="{BB962C8B-B14F-4D97-AF65-F5344CB8AC3E}">
-        <p14:creationId xmlns:p14="http://schemas.microsoft.com/office/powerpoint/2010/main" val="3028662800"/>
+        <p14:creationId xmlns:p14="http://schemas.microsoft.com/office/powerpoint/2010/main" val="2011974424"/>
       </p:ext>
     </p:extLst>
   </p:cSld>
@@ -5097,84 +5101,10 @@
       </p:grpSpPr>
       <p:sp>
         <p:nvSpPr>
-          <p:cNvPr id="2" name="TextBox 1">
+          <p:cNvPr id="2" name="Номер слайда 1">
             <a:extLst>
               <a:ext uri="{FF2B5EF4-FFF2-40B4-BE49-F238E27FC236}">
-                <a16:creationId xmlns:a16="http://schemas.microsoft.com/office/drawing/2014/main" id="{D0A217E7-E973-0D48-8D60-0F40E1E6A67C}"/>
-              </a:ext>
-            </a:extLst>
-          </p:cNvPr>
-          <p:cNvSpPr txBox="1"/>
-          <p:nvPr/>
-        </p:nvSpPr>
-        <p:spPr>
-          <a:xfrm>
-            <a:off x="611188" y="419735"/>
-            <a:ext cx="3582071" cy="584775"/>
-          </a:xfrm>
-          <a:prstGeom prst="rect">
-            <a:avLst/>
-          </a:prstGeom>
-          <a:noFill/>
-        </p:spPr>
-        <p:txBody>
-          <a:bodyPr wrap="none" rtlCol="0">
-            <a:spAutoFit/>
-          </a:bodyPr>
-          <a:lstStyle/>
-          <a:p>
-            <a:r>
-              <a:rPr lang="ru-RU" sz="3200" dirty="0"/>
-              <a:t>Разработка модели </a:t>
-            </a:r>
-          </a:p>
-        </p:txBody>
-      </p:sp>
-      <p:sp>
-        <p:nvSpPr>
-          <p:cNvPr id="4" name="TextBox 3">
-            <a:extLst>
-              <a:ext uri="{FF2B5EF4-FFF2-40B4-BE49-F238E27FC236}">
-                <a16:creationId xmlns:a16="http://schemas.microsoft.com/office/drawing/2014/main" id="{E1ADD068-71BD-9342-BA37-02379B16518E}"/>
-              </a:ext>
-            </a:extLst>
-          </p:cNvPr>
-          <p:cNvSpPr txBox="1"/>
-          <p:nvPr/>
-        </p:nvSpPr>
-        <p:spPr>
-          <a:xfrm>
-            <a:off x="611188" y="3186298"/>
-            <a:ext cx="7921625" cy="1200329"/>
-          </a:xfrm>
-          <a:prstGeom prst="rect">
-            <a:avLst/>
-          </a:prstGeom>
-          <a:noFill/>
-        </p:spPr>
-        <p:txBody>
-          <a:bodyPr wrap="square" rtlCol="0">
-            <a:spAutoFit/>
-          </a:bodyPr>
-          <a:lstStyle/>
-          <a:p>
-            <a:r>
-              <a:rPr lang="ru-RU" sz="2400" dirty="0" err="1"/>
-              <a:t>Датасет</a:t>
-            </a:r>
-            <a:r>
-              <a:rPr lang="ru-RU" sz="2400" dirty="0"/>
-              <a:t> составляется из пар цветных изображений с его черно-белой версией. Данные нормализуются в диапазоне от -1 до 1</a:t>
-            </a:r>
-          </a:p>
-        </p:txBody>
-      </p:sp>
-      <p:sp>
-        <p:nvSpPr>
-          <p:cNvPr id="3" name="Номер слайда 2">
-            <a:extLst>
-              <a:ext uri="{FF2B5EF4-FFF2-40B4-BE49-F238E27FC236}">
-                <a16:creationId xmlns:a16="http://schemas.microsoft.com/office/drawing/2014/main" id="{CB254E97-132F-4167-A2A1-70C0A8D783B0}"/>
+                <a16:creationId xmlns:a16="http://schemas.microsoft.com/office/drawing/2014/main" id="{B863A20C-8C49-4755-B207-D4D4B388D529}"/>
               </a:ext>
             </a:extLst>
           </p:cNvPr>
@@ -5201,10 +5131,10 @@
       </p:sp>
       <p:sp>
         <p:nvSpPr>
-          <p:cNvPr id="5" name="Прямоугольник 4">
+          <p:cNvPr id="3" name="Прямоугольник 2">
             <a:extLst>
               <a:ext uri="{FF2B5EF4-FFF2-40B4-BE49-F238E27FC236}">
-                <a16:creationId xmlns:a16="http://schemas.microsoft.com/office/drawing/2014/main" id="{7CFF7810-EEE4-479D-B29F-29B3E4753C32}"/>
+                <a16:creationId xmlns:a16="http://schemas.microsoft.com/office/drawing/2014/main" id="{BF8B97E1-DFFF-44DD-83A4-5CF1664974B9}"/>
               </a:ext>
             </a:extLst>
           </p:cNvPr>
@@ -5213,8 +5143,8 @@
         </p:nvSpPr>
         <p:spPr>
           <a:xfrm>
-            <a:off x="611188" y="1108694"/>
-            <a:ext cx="7904162" cy="1778179"/>
+            <a:off x="611188" y="372641"/>
+            <a:ext cx="7904162" cy="1317092"/>
           </a:xfrm>
           <a:prstGeom prst="rect">
             <a:avLst/>
@@ -5239,33 +5169,15 @@
             </a:pPr>
             <a:r>
               <a:rPr lang="ru-RU" sz="2800" b="1" dirty="0">
+                <a:solidFill>
+                  <a:srgbClr val="000000"/>
+                </a:solidFill>
                 <a:latin typeface="Times New Roman" panose="02020603050405020304" pitchFamily="18" charset="0"/>
                 <a:ea typeface="Times New Roman" panose="02020603050405020304" pitchFamily="18" charset="0"/>
                 <a:cs typeface="Times New Roman" panose="02020603050405020304" pitchFamily="18" charset="0"/>
               </a:rPr>
-              <a:t>Архитектура</a:t>
-            </a:r>
-            <a:r>
-              <a:rPr lang="ru-RU" sz="3200" b="1" dirty="0">
-                <a:latin typeface="Times New Roman" panose="02020603050405020304" pitchFamily="18" charset="0"/>
-                <a:ea typeface="Times New Roman" panose="02020603050405020304" pitchFamily="18" charset="0"/>
-                <a:cs typeface="Times New Roman" panose="02020603050405020304" pitchFamily="18" charset="0"/>
-              </a:rPr>
-              <a:t> </a:t>
-            </a:r>
-            <a:r>
-              <a:rPr lang="ru-RU" sz="2800" b="1" dirty="0">
-                <a:latin typeface="Times New Roman" panose="02020603050405020304" pitchFamily="18" charset="0"/>
-                <a:ea typeface="Times New Roman" panose="02020603050405020304" pitchFamily="18" charset="0"/>
-                <a:cs typeface="Times New Roman" panose="02020603050405020304" pitchFamily="18" charset="0"/>
-              </a:rPr>
-              <a:t>модели</a:t>
-            </a:r>
-            <a:endParaRPr lang="ru-RU" sz="3200" b="1" dirty="0">
-              <a:latin typeface="Times New Roman" panose="02020603050405020304" pitchFamily="18" charset="0"/>
-              <a:ea typeface="Times New Roman" panose="02020603050405020304" pitchFamily="18" charset="0"/>
-              <a:cs typeface="Times New Roman" panose="02020603050405020304" pitchFamily="18" charset="0"/>
-            </a:endParaRPr>
+              <a:t>Дискриминатор</a:t>
+            </a:r>
           </a:p>
           <a:p>
             <a:pPr>
@@ -5282,7 +5194,109 @@
                 <a:ea typeface="Calibri" panose="020F0502020204030204" pitchFamily="34" charset="0"/>
                 <a:cs typeface="Times New Roman" panose="02020603050405020304" pitchFamily="18" charset="0"/>
               </a:rPr>
-              <a:t>Модель является глубокой нейронной сетью </a:t>
+              <a:t>Дискриминатор получает на вход картинку и старается угадать класс картинки: настоящая или сгенерированная. </a:t>
+            </a:r>
+          </a:p>
+        </p:txBody>
+      </p:sp>
+      <p:sp>
+        <p:nvSpPr>
+          <p:cNvPr id="4" name="Прямоугольник 3">
+            <a:extLst>
+              <a:ext uri="{FF2B5EF4-FFF2-40B4-BE49-F238E27FC236}">
+                <a16:creationId xmlns:a16="http://schemas.microsoft.com/office/drawing/2014/main" id="{28AB71E5-2E29-44C9-9EB7-13070829BFB5}"/>
+              </a:ext>
+            </a:extLst>
+          </p:cNvPr>
+          <p:cNvSpPr/>
+          <p:nvPr/>
+        </p:nvSpPr>
+        <p:spPr>
+          <a:xfrm>
+            <a:off x="593725" y="1915606"/>
+            <a:ext cx="7921625" cy="2107436"/>
+          </a:xfrm>
+          <a:prstGeom prst="rect">
+            <a:avLst/>
+          </a:prstGeom>
+        </p:spPr>
+        <p:txBody>
+          <a:bodyPr wrap="square">
+            <a:spAutoFit/>
+          </a:bodyPr>
+          <a:lstStyle/>
+          <a:p>
+            <a:pPr>
+              <a:lnSpc>
+                <a:spcPct val="107000"/>
+              </a:lnSpc>
+              <a:spcBef>
+                <a:spcPts val="200"/>
+              </a:spcBef>
+              <a:spcAft>
+                <a:spcPts val="0"/>
+              </a:spcAft>
+            </a:pPr>
+            <a:r>
+              <a:rPr lang="ru-RU" sz="2800" b="1" dirty="0">
+                <a:solidFill>
+                  <a:srgbClr val="000000"/>
+                </a:solidFill>
+                <a:latin typeface="Times New Roman" panose="02020603050405020304" pitchFamily="18" charset="0"/>
+                <a:ea typeface="Times New Roman" panose="02020603050405020304" pitchFamily="18" charset="0"/>
+                <a:cs typeface="Times New Roman" panose="02020603050405020304" pitchFamily="18" charset="0"/>
+              </a:rPr>
+              <a:t>Генератор</a:t>
+            </a:r>
+          </a:p>
+          <a:p>
+            <a:pPr>
+              <a:lnSpc>
+                <a:spcPct val="107000"/>
+              </a:lnSpc>
+              <a:spcAft>
+                <a:spcPts val="800"/>
+              </a:spcAft>
+            </a:pPr>
+            <a:r>
+              <a:rPr lang="ru-RU" sz="2400" dirty="0">
+                <a:latin typeface="Times New Roman" panose="02020603050405020304" pitchFamily="18" charset="0"/>
+                <a:ea typeface="Calibri" panose="020F0502020204030204" pitchFamily="34" charset="0"/>
+                <a:cs typeface="Times New Roman" panose="02020603050405020304" pitchFamily="18" charset="0"/>
+              </a:rPr>
+              <a:t>Генератор это стандартный </a:t>
+            </a:r>
+            <a:r>
+              <a:rPr lang="en-US" sz="2400" dirty="0" err="1">
+                <a:latin typeface="Times New Roman" panose="02020603050405020304" pitchFamily="18" charset="0"/>
+                <a:ea typeface="Calibri" panose="020F0502020204030204" pitchFamily="34" charset="0"/>
+                <a:cs typeface="Times New Roman" panose="02020603050405020304" pitchFamily="18" charset="0"/>
+              </a:rPr>
+              <a:t>unet</a:t>
+            </a:r>
+            <a:r>
+              <a:rPr lang="ru-RU" sz="2400" dirty="0">
+                <a:latin typeface="Times New Roman" panose="02020603050405020304" pitchFamily="18" charset="0"/>
+                <a:ea typeface="Calibri" panose="020F0502020204030204" pitchFamily="34" charset="0"/>
+                <a:cs typeface="Times New Roman" panose="02020603050405020304" pitchFamily="18" charset="0"/>
+              </a:rPr>
+              <a:t>. Выходных слоев 3 </a:t>
+            </a:r>
+            <a:r>
+              <a:rPr lang="ru-RU" sz="2400" dirty="0" err="1">
+                <a:latin typeface="Times New Roman" panose="02020603050405020304" pitchFamily="18" charset="0"/>
+                <a:ea typeface="Calibri" panose="020F0502020204030204" pitchFamily="34" charset="0"/>
+                <a:cs typeface="Times New Roman" panose="02020603050405020304" pitchFamily="18" charset="0"/>
+              </a:rPr>
+              <a:t>соотвественно</a:t>
+            </a:r>
+            <a:r>
+              <a:rPr lang="ru-RU" sz="2400" dirty="0">
+                <a:latin typeface="Times New Roman" panose="02020603050405020304" pitchFamily="18" charset="0"/>
+                <a:ea typeface="Calibri" panose="020F0502020204030204" pitchFamily="34" charset="0"/>
+                <a:cs typeface="Times New Roman" panose="02020603050405020304" pitchFamily="18" charset="0"/>
+              </a:rPr>
+              <a:t> на каждый канал </a:t>
             </a:r>
             <a:r>
               <a:rPr lang="en-US" sz="2400" dirty="0">
@@ -5290,7 +5304,7 @@
                 <a:ea typeface="Calibri" panose="020F0502020204030204" pitchFamily="34" charset="0"/>
                 <a:cs typeface="Times New Roman" panose="02020603050405020304" pitchFamily="18" charset="0"/>
               </a:rPr>
-              <a:t>GAN </a:t>
+              <a:t>RGB</a:t>
             </a:r>
             <a:r>
               <a:rPr lang="ru-RU" sz="2400" dirty="0">
@@ -5298,7 +5312,79 @@
                 <a:ea typeface="Calibri" panose="020F0502020204030204" pitchFamily="34" charset="0"/>
                 <a:cs typeface="Times New Roman" panose="02020603050405020304" pitchFamily="18" charset="0"/>
               </a:rPr>
-              <a:t>где генеративная модель это </a:t>
+              <a:t>. Функция активации на выходе тангенс потому что мы нормализовали наши данные в диапазоне от -1 до 1. </a:t>
+            </a:r>
+          </a:p>
+        </p:txBody>
+      </p:sp>
+      <p:sp>
+        <p:nvSpPr>
+          <p:cNvPr id="5" name="Прямоугольник 4">
+            <a:extLst>
+              <a:ext uri="{FF2B5EF4-FFF2-40B4-BE49-F238E27FC236}">
+                <a16:creationId xmlns:a16="http://schemas.microsoft.com/office/drawing/2014/main" id="{E09A9459-7481-4FF6-9A0B-84D895C8C5D0}"/>
+              </a:ext>
+            </a:extLst>
+          </p:cNvPr>
+          <p:cNvSpPr/>
+          <p:nvPr/>
+        </p:nvSpPr>
+        <p:spPr>
+          <a:xfrm>
+            <a:off x="593725" y="4192019"/>
+            <a:ext cx="7904162" cy="1419684"/>
+          </a:xfrm>
+          <a:prstGeom prst="rect">
+            <a:avLst/>
+          </a:prstGeom>
+        </p:spPr>
+        <p:txBody>
+          <a:bodyPr wrap="square">
+            <a:spAutoFit/>
+          </a:bodyPr>
+          <a:lstStyle/>
+          <a:p>
+            <a:pPr>
+              <a:lnSpc>
+                <a:spcPct val="107000"/>
+              </a:lnSpc>
+              <a:spcAft>
+                <a:spcPts val="800"/>
+              </a:spcAft>
+            </a:pPr>
+            <a:r>
+              <a:rPr lang="en-US" sz="2800" b="1" dirty="0">
+                <a:latin typeface="Times New Roman" panose="02020603050405020304" pitchFamily="18" charset="0"/>
+                <a:ea typeface="Calibri" panose="020F0502020204030204" pitchFamily="34" charset="0"/>
+                <a:cs typeface="Times New Roman" panose="02020603050405020304" pitchFamily="18" charset="0"/>
+              </a:rPr>
+              <a:t>GAN</a:t>
+            </a:r>
+            <a:r>
+              <a:rPr lang="en-US" dirty="0">
+                <a:latin typeface="Times New Roman" panose="02020603050405020304" pitchFamily="18" charset="0"/>
+                <a:ea typeface="Calibri" panose="020F0502020204030204" pitchFamily="34" charset="0"/>
+                <a:cs typeface="Times New Roman" panose="02020603050405020304" pitchFamily="18" charset="0"/>
+              </a:rPr>
+              <a:t> </a:t>
+            </a:r>
+          </a:p>
+          <a:p>
+            <a:pPr>
+              <a:lnSpc>
+                <a:spcPct val="107000"/>
+              </a:lnSpc>
+              <a:spcAft>
+                <a:spcPts val="800"/>
+              </a:spcAft>
+            </a:pPr>
+            <a:r>
+              <a:rPr lang="ru-RU" sz="2400" dirty="0">
+                <a:latin typeface="Times New Roman" panose="02020603050405020304" pitchFamily="18" charset="0"/>
+                <a:ea typeface="Calibri" panose="020F0502020204030204" pitchFamily="34" charset="0"/>
+                <a:cs typeface="Times New Roman" panose="02020603050405020304" pitchFamily="18" charset="0"/>
+              </a:rPr>
+              <a:t>состоит из трех моделей: генератора, дискриминатора и </a:t>
             </a:r>
             <a:r>
               <a:rPr lang="en-US" sz="2400" dirty="0">
@@ -5306,7 +5392,7 @@
                 <a:ea typeface="Calibri" panose="020F0502020204030204" pitchFamily="34" charset="0"/>
                 <a:cs typeface="Times New Roman" panose="02020603050405020304" pitchFamily="18" charset="0"/>
               </a:rPr>
-              <a:t>U</a:t>
+              <a:t>VGG </a:t>
             </a:r>
             <a:r>
               <a:rPr lang="ru-RU" sz="2400" dirty="0">
@@ -5314,7 +5400,7 @@
                 <a:ea typeface="Calibri" panose="020F0502020204030204" pitchFamily="34" charset="0"/>
                 <a:cs typeface="Times New Roman" panose="02020603050405020304" pitchFamily="18" charset="0"/>
               </a:rPr>
-              <a:t>-</a:t>
+              <a:t>для </a:t>
             </a:r>
             <a:r>
               <a:rPr lang="en-US" sz="2400" dirty="0">
@@ -5322,31 +5408,15 @@
                 <a:ea typeface="Calibri" panose="020F0502020204030204" pitchFamily="34" charset="0"/>
                 <a:cs typeface="Times New Roman" panose="02020603050405020304" pitchFamily="18" charset="0"/>
               </a:rPr>
-              <a:t>Net</a:t>
-            </a:r>
-            <a:r>
-              <a:rPr lang="ru-RU" sz="2400" dirty="0">
+              <a:t>feature loss</a:t>
+            </a:r>
+            <a:r>
+              <a:rPr lang="ru-RU" dirty="0">
                 <a:latin typeface="Times New Roman" panose="02020603050405020304" pitchFamily="18" charset="0"/>
                 <a:ea typeface="Calibri" panose="020F0502020204030204" pitchFamily="34" charset="0"/>
                 <a:cs typeface="Times New Roman" panose="02020603050405020304" pitchFamily="18" charset="0"/>
               </a:rPr>
-              <a:t>. Функция потерь это комбинация </a:t>
-            </a:r>
-            <a:r>
-              <a:rPr lang="en-US" sz="2400" dirty="0">
-                <a:latin typeface="Times New Roman" panose="02020603050405020304" pitchFamily="18" charset="0"/>
-                <a:ea typeface="Calibri" panose="020F0502020204030204" pitchFamily="34" charset="0"/>
-                <a:cs typeface="Times New Roman" panose="02020603050405020304" pitchFamily="18" charset="0"/>
-              </a:rPr>
-              <a:t>Feature Loss </a:t>
-            </a:r>
-            <a:r>
-              <a:rPr lang="ru-RU" sz="2400" dirty="0">
-                <a:latin typeface="Times New Roman" panose="02020603050405020304" pitchFamily="18" charset="0"/>
-                <a:ea typeface="Calibri" panose="020F0502020204030204" pitchFamily="34" charset="0"/>
-                <a:cs typeface="Times New Roman" panose="02020603050405020304" pitchFamily="18" charset="0"/>
-              </a:rPr>
-              <a:t>и потери дискриминатора. </a:t>
+              <a:t>. </a:t>
             </a:r>
           </a:p>
         </p:txBody>
@@ -5354,7 +5424,7 @@
     </p:spTree>
     <p:extLst>
       <p:ext uri="{BB962C8B-B14F-4D97-AF65-F5344CB8AC3E}">
-        <p14:creationId xmlns:p14="http://schemas.microsoft.com/office/powerpoint/2010/main" val="3783649841"/>
+        <p14:creationId xmlns:p14="http://schemas.microsoft.com/office/powerpoint/2010/main" val="1283099755"/>
       </p:ext>
     </p:extLst>
   </p:cSld>
@@ -5383,10 +5453,10 @@
       </p:grpSpPr>
       <p:sp>
         <p:nvSpPr>
-          <p:cNvPr id="2" name="Номер слайда 1">
+          <p:cNvPr id="2" name="Заголовок 1">
             <a:extLst>
               <a:ext uri="{FF2B5EF4-FFF2-40B4-BE49-F238E27FC236}">
-                <a16:creationId xmlns:a16="http://schemas.microsoft.com/office/drawing/2014/main" id="{FC914CC6-E362-4C99-B1BC-AC1BD45C9A79}"/>
+                <a16:creationId xmlns:a16="http://schemas.microsoft.com/office/drawing/2014/main" id="{BED45A0B-EC42-4554-BA5D-D7228F527086}"/>
               </a:ext>
             </a:extLst>
           </p:cNvPr>
@@ -5394,217 +5464,88 @@
             <a:spLocks noGrp="1"/>
           </p:cNvSpPr>
           <p:nvPr>
-            <p:ph type="sldNum" sz="quarter" idx="12"/>
-          </p:nvPr>
-        </p:nvSpPr>
-        <p:spPr/>
+            <p:ph type="title"/>
+          </p:nvPr>
+        </p:nvSpPr>
+        <p:spPr>
+          <a:xfrm>
+            <a:off x="628650" y="365126"/>
+            <a:ext cx="7886700" cy="679903"/>
+          </a:xfrm>
+        </p:spPr>
         <p:txBody>
           <a:bodyPr/>
           <a:lstStyle/>
           <a:p>
-            <a:fld id="{6DA12EE1-EEA5-4AF3-B4EE-82DF0E32AA3F}" type="slidenum">
-              <a:rPr lang="ru-RU" smtClean="0"/>
-              <a:pPr/>
-              <a:t>12</a:t>
-            </a:fld>
-            <a:endParaRPr lang="ru-RU" dirty="0"/>
-          </a:p>
-        </p:txBody>
-      </p:sp>
-      <p:sp>
-        <p:nvSpPr>
-          <p:cNvPr id="3" name="Прямоугольник 2">
+            <a:r>
+              <a:rPr lang="ru-RU" dirty="0"/>
+              <a:t>Примеры</a:t>
+            </a:r>
+          </a:p>
+        </p:txBody>
+      </p:sp>
+      <p:pic>
+        <p:nvPicPr>
+          <p:cNvPr id="12" name="Объект 11" descr="Примеры">
             <a:extLst>
               <a:ext uri="{FF2B5EF4-FFF2-40B4-BE49-F238E27FC236}">
-                <a16:creationId xmlns:a16="http://schemas.microsoft.com/office/drawing/2014/main" id="{CEC7F8B9-6D3F-4149-A82B-E486ECCC870E}"/>
+                <a16:creationId xmlns:a16="http://schemas.microsoft.com/office/drawing/2014/main" id="{324B15C8-B82D-4858-9947-49CD237E3EA5}"/>
               </a:ext>
             </a:extLst>
           </p:cNvPr>
-          <p:cNvSpPr/>
-          <p:nvPr/>
-        </p:nvSpPr>
+          <p:cNvPicPr>
+            <a:picLocks noGrp="1" noChangeAspect="1"/>
+          </p:cNvPicPr>
+          <p:nvPr>
+            <p:ph idx="1"/>
+          </p:nvPr>
+        </p:nvPicPr>
+        <p:blipFill>
+          <a:blip r:embed="rId2"/>
+          <a:stretch>
+            <a:fillRect/>
+          </a:stretch>
+        </p:blipFill>
         <p:spPr>
           <a:xfrm>
-            <a:off x="611188" y="391691"/>
-            <a:ext cx="7904162" cy="2963696"/>
+            <a:off x="725142" y="1045029"/>
+            <a:ext cx="7693715" cy="5129143"/>
           </a:xfrm>
-          <a:prstGeom prst="rect">
-            <a:avLst/>
-          </a:prstGeom>
         </p:spPr>
-        <p:txBody>
-          <a:bodyPr wrap="square">
-            <a:spAutoFit/>
-          </a:bodyPr>
-          <a:lstStyle/>
-          <a:p>
-            <a:pPr>
-              <a:lnSpc>
-                <a:spcPct val="107000"/>
-              </a:lnSpc>
-              <a:spcBef>
-                <a:spcPts val="200"/>
-              </a:spcBef>
-              <a:spcAft>
-                <a:spcPts val="0"/>
-              </a:spcAft>
-            </a:pPr>
-            <a:r>
-              <a:rPr lang="en-US" sz="2800" b="1" dirty="0">
-                <a:solidFill>
-                  <a:srgbClr val="000000"/>
-                </a:solidFill>
-                <a:latin typeface="Times New Roman" panose="02020603050405020304" pitchFamily="18" charset="0"/>
-                <a:ea typeface="Times New Roman" panose="02020603050405020304" pitchFamily="18" charset="0"/>
-                <a:cs typeface="Times New Roman" panose="02020603050405020304" pitchFamily="18" charset="0"/>
-              </a:rPr>
-              <a:t>Feature Loss</a:t>
-            </a:r>
-            <a:endParaRPr lang="ru-RU" sz="2800" b="1" dirty="0">
-              <a:solidFill>
-                <a:srgbClr val="000000"/>
-              </a:solidFill>
-              <a:latin typeface="Times New Roman" panose="02020603050405020304" pitchFamily="18" charset="0"/>
-              <a:ea typeface="Times New Roman" panose="02020603050405020304" pitchFamily="18" charset="0"/>
-              <a:cs typeface="Times New Roman" panose="02020603050405020304" pitchFamily="18" charset="0"/>
-            </a:endParaRPr>
-          </a:p>
-          <a:p>
-            <a:pPr>
-              <a:lnSpc>
-                <a:spcPct val="107000"/>
-              </a:lnSpc>
-              <a:spcAft>
-                <a:spcPts val="800"/>
-              </a:spcAft>
-            </a:pPr>
-            <a:r>
-              <a:rPr lang="ru-RU" sz="2400" dirty="0">
-                <a:latin typeface="Times New Roman" panose="02020603050405020304" pitchFamily="18" charset="0"/>
-                <a:ea typeface="Calibri" panose="020F0502020204030204" pitchFamily="34" charset="0"/>
-                <a:cs typeface="Times New Roman" panose="02020603050405020304" pitchFamily="18" charset="0"/>
-              </a:rPr>
-              <a:t>В качестве модели для </a:t>
-            </a:r>
-            <a:r>
-              <a:rPr lang="en-US" sz="2400" dirty="0">
-                <a:latin typeface="Times New Roman" panose="02020603050405020304" pitchFamily="18" charset="0"/>
-                <a:ea typeface="Calibri" panose="020F0502020204030204" pitchFamily="34" charset="0"/>
-                <a:cs typeface="Times New Roman" panose="02020603050405020304" pitchFamily="18" charset="0"/>
-              </a:rPr>
-              <a:t>feature loss </a:t>
-            </a:r>
-            <a:r>
-              <a:rPr lang="ru-RU" sz="2400" dirty="0">
-                <a:latin typeface="Times New Roman" panose="02020603050405020304" pitchFamily="18" charset="0"/>
-                <a:ea typeface="Calibri" panose="020F0502020204030204" pitchFamily="34" charset="0"/>
-                <a:cs typeface="Times New Roman" panose="02020603050405020304" pitchFamily="18" charset="0"/>
-              </a:rPr>
-              <a:t>используется модель </a:t>
-            </a:r>
-            <a:r>
-              <a:rPr lang="en-US" sz="2400" dirty="0">
-                <a:latin typeface="Times New Roman" panose="02020603050405020304" pitchFamily="18" charset="0"/>
-                <a:ea typeface="Calibri" panose="020F0502020204030204" pitchFamily="34" charset="0"/>
-                <a:cs typeface="Times New Roman" panose="02020603050405020304" pitchFamily="18" charset="0"/>
-              </a:rPr>
-              <a:t>VGG</a:t>
-            </a:r>
-            <a:r>
-              <a:rPr lang="ru-RU" sz="2400" dirty="0">
-                <a:latin typeface="Times New Roman" panose="02020603050405020304" pitchFamily="18" charset="0"/>
-                <a:ea typeface="Calibri" panose="020F0502020204030204" pitchFamily="34" charset="0"/>
-                <a:cs typeface="Times New Roman" panose="02020603050405020304" pitchFamily="18" charset="0"/>
-              </a:rPr>
-              <a:t>19 </a:t>
-            </a:r>
-            <a:r>
-              <a:rPr lang="ru-RU" sz="2400" dirty="0" err="1">
-                <a:latin typeface="Times New Roman" panose="02020603050405020304" pitchFamily="18" charset="0"/>
-                <a:ea typeface="Calibri" panose="020F0502020204030204" pitchFamily="34" charset="0"/>
-                <a:cs typeface="Times New Roman" panose="02020603050405020304" pitchFamily="18" charset="0"/>
-              </a:rPr>
-              <a:t>предобученная</a:t>
-            </a:r>
-            <a:r>
-              <a:rPr lang="ru-RU" sz="2400" dirty="0">
-                <a:latin typeface="Times New Roman" panose="02020603050405020304" pitchFamily="18" charset="0"/>
-                <a:ea typeface="Calibri" panose="020F0502020204030204" pitchFamily="34" charset="0"/>
-                <a:cs typeface="Times New Roman" panose="02020603050405020304" pitchFamily="18" charset="0"/>
-              </a:rPr>
-              <a:t> на </a:t>
-            </a:r>
-            <a:r>
-              <a:rPr lang="ru-RU" sz="2400" dirty="0" err="1">
-                <a:latin typeface="Times New Roman" panose="02020603050405020304" pitchFamily="18" charset="0"/>
-                <a:ea typeface="Calibri" panose="020F0502020204030204" pitchFamily="34" charset="0"/>
-                <a:cs typeface="Times New Roman" panose="02020603050405020304" pitchFamily="18" charset="0"/>
-              </a:rPr>
-              <a:t>датасете</a:t>
-            </a:r>
-            <a:r>
-              <a:rPr lang="ru-RU" sz="2400" dirty="0">
-                <a:latin typeface="Times New Roman" panose="02020603050405020304" pitchFamily="18" charset="0"/>
-                <a:ea typeface="Calibri" panose="020F0502020204030204" pitchFamily="34" charset="0"/>
-                <a:cs typeface="Times New Roman" panose="02020603050405020304" pitchFamily="18" charset="0"/>
-              </a:rPr>
-              <a:t> </a:t>
-            </a:r>
-            <a:r>
-              <a:rPr lang="en-US" sz="2400" dirty="0" err="1">
-                <a:latin typeface="Times New Roman" panose="02020603050405020304" pitchFamily="18" charset="0"/>
-                <a:ea typeface="Calibri" panose="020F0502020204030204" pitchFamily="34" charset="0"/>
-                <a:cs typeface="Times New Roman" panose="02020603050405020304" pitchFamily="18" charset="0"/>
-              </a:rPr>
-              <a:t>imagenet</a:t>
-            </a:r>
-            <a:r>
-              <a:rPr lang="ru-RU" sz="2400" dirty="0">
-                <a:latin typeface="Times New Roman" panose="02020603050405020304" pitchFamily="18" charset="0"/>
-                <a:ea typeface="Calibri" panose="020F0502020204030204" pitchFamily="34" charset="0"/>
-                <a:cs typeface="Times New Roman" panose="02020603050405020304" pitchFamily="18" charset="0"/>
-              </a:rPr>
-              <a:t>. В качестве </a:t>
-            </a:r>
-            <a:r>
-              <a:rPr lang="en-US" sz="2400" dirty="0">
-                <a:latin typeface="Times New Roman" panose="02020603050405020304" pitchFamily="18" charset="0"/>
-                <a:ea typeface="Calibri" panose="020F0502020204030204" pitchFamily="34" charset="0"/>
-                <a:cs typeface="Times New Roman" panose="02020603050405020304" pitchFamily="18" charset="0"/>
-              </a:rPr>
-              <a:t>output</a:t>
-            </a:r>
-            <a:r>
-              <a:rPr lang="ru-RU" sz="2400" dirty="0">
-                <a:latin typeface="Times New Roman" panose="02020603050405020304" pitchFamily="18" charset="0"/>
-                <a:ea typeface="Calibri" panose="020F0502020204030204" pitchFamily="34" charset="0"/>
-                <a:cs typeface="Times New Roman" panose="02020603050405020304" pitchFamily="18" charset="0"/>
-              </a:rPr>
-              <a:t>-а используется не вероятности классов, а из него извлекаются слой характеристик. Модель во время обучения </a:t>
-            </a:r>
-            <a:r>
-              <a:rPr lang="en-US" sz="2400" dirty="0">
-                <a:latin typeface="Times New Roman" panose="02020603050405020304" pitchFamily="18" charset="0"/>
-                <a:ea typeface="Calibri" panose="020F0502020204030204" pitchFamily="34" charset="0"/>
-                <a:cs typeface="Times New Roman" panose="02020603050405020304" pitchFamily="18" charset="0"/>
-              </a:rPr>
-              <a:t>GAN </a:t>
-            </a:r>
-            <a:r>
-              <a:rPr lang="ru-RU" sz="2400" dirty="0">
-                <a:latin typeface="Times New Roman" panose="02020603050405020304" pitchFamily="18" charset="0"/>
-                <a:ea typeface="Calibri" panose="020F0502020204030204" pitchFamily="34" charset="0"/>
-                <a:cs typeface="Times New Roman" panose="02020603050405020304" pitchFamily="18" charset="0"/>
-              </a:rPr>
-              <a:t>не обучается. В качестве функции потерь используется среднеквадратичная ошибка. </a:t>
-            </a:r>
+      </p:pic>
+      <p:sp>
+        <p:nvSpPr>
+          <p:cNvPr id="4" name="Номер слайда 3">
+            <a:extLst>
+              <a:ext uri="{FF2B5EF4-FFF2-40B4-BE49-F238E27FC236}">
+                <a16:creationId xmlns:a16="http://schemas.microsoft.com/office/drawing/2014/main" id="{BE7820FA-C1F5-4775-B409-B9432E39C2A0}"/>
+              </a:ext>
+            </a:extLst>
+          </p:cNvPr>
+          <p:cNvSpPr>
+            <a:spLocks noGrp="1"/>
+          </p:cNvSpPr>
+          <p:nvPr>
+            <p:ph type="sldNum" sz="quarter" idx="12"/>
+          </p:nvPr>
+        </p:nvSpPr>
+        <p:spPr/>
+        <p:txBody>
+          <a:bodyPr/>
+          <a:lstStyle/>
+          <a:p>
+            <a:fld id="{F2AF2E1E-BC60-0946-A66B-DD309B164FA9}" type="slidenum">
+              <a:rPr lang="ru-RU" smtClean="0"/>
+              <a:t>12</a:t>
+            </a:fld>
+            <a:endParaRPr lang="ru-RU"/>
           </a:p>
         </p:txBody>
       </p:sp>
     </p:spTree>
     <p:extLst>
       <p:ext uri="{BB962C8B-B14F-4D97-AF65-F5344CB8AC3E}">
-        <p14:creationId xmlns:p14="http://schemas.microsoft.com/office/powerpoint/2010/main" val="4264870856"/>
+        <p14:creationId xmlns:p14="http://schemas.microsoft.com/office/powerpoint/2010/main" val="374233868"/>
       </p:ext>
     </p:extLst>
   </p:cSld>
@@ -5633,10 +5574,10 @@
       </p:grpSpPr>
       <p:sp>
         <p:nvSpPr>
-          <p:cNvPr id="2" name="Номер слайда 1">
+          <p:cNvPr id="2" name="Заголовок 1">
             <a:extLst>
               <a:ext uri="{FF2B5EF4-FFF2-40B4-BE49-F238E27FC236}">
-                <a16:creationId xmlns:a16="http://schemas.microsoft.com/office/drawing/2014/main" id="{B863A20C-8C49-4755-B207-D4D4B388D529}"/>
+                <a16:creationId xmlns:a16="http://schemas.microsoft.com/office/drawing/2014/main" id="{AA378208-23E5-4DBB-B03E-9D53E18E34DB}"/>
               </a:ext>
             </a:extLst>
           </p:cNvPr>
@@ -5644,319 +5585,85 @@
             <a:spLocks noGrp="1"/>
           </p:cNvSpPr>
           <p:nvPr>
-            <p:ph type="sldNum" sz="quarter" idx="12"/>
-          </p:nvPr>
-        </p:nvSpPr>
-        <p:spPr/>
+            <p:ph type="title"/>
+          </p:nvPr>
+        </p:nvSpPr>
+        <p:spPr>
+          <a:xfrm>
+            <a:off x="628650" y="365126"/>
+            <a:ext cx="7886700" cy="814317"/>
+          </a:xfrm>
+        </p:spPr>
         <p:txBody>
           <a:bodyPr/>
           <a:lstStyle/>
           <a:p>
-            <a:fld id="{6DA12EE1-EEA5-4AF3-B4EE-82DF0E32AA3F}" type="slidenum">
-              <a:rPr lang="ru-RU" smtClean="0"/>
-              <a:pPr/>
-              <a:t>13</a:t>
-            </a:fld>
             <a:endParaRPr lang="ru-RU" dirty="0"/>
           </a:p>
         </p:txBody>
       </p:sp>
-      <p:sp>
-        <p:nvSpPr>
-          <p:cNvPr id="3" name="Прямоугольник 2">
+      <p:pic>
+        <p:nvPicPr>
+          <p:cNvPr id="6" name="Объект 5" descr="Изображение выглядит как фотография, девочка, человек, сидит&#10;&#10;Автоматически созданное описание">
             <a:extLst>
               <a:ext uri="{FF2B5EF4-FFF2-40B4-BE49-F238E27FC236}">
-                <a16:creationId xmlns:a16="http://schemas.microsoft.com/office/drawing/2014/main" id="{BF8B97E1-DFFF-44DD-83A4-5CF1664974B9}"/>
+                <a16:creationId xmlns:a16="http://schemas.microsoft.com/office/drawing/2014/main" id="{2A4B0645-0857-4479-AB13-09003EE73FF5}"/>
               </a:ext>
             </a:extLst>
           </p:cNvPr>
-          <p:cNvSpPr/>
-          <p:nvPr/>
-        </p:nvSpPr>
+          <p:cNvPicPr>
+            <a:picLocks noGrp="1" noChangeAspect="1"/>
+          </p:cNvPicPr>
+          <p:nvPr>
+            <p:ph idx="1"/>
+          </p:nvPr>
+        </p:nvPicPr>
+        <p:blipFill>
+          <a:blip r:embed="rId2"/>
+          <a:stretch>
+            <a:fillRect/>
+          </a:stretch>
+        </p:blipFill>
         <p:spPr>
           <a:xfrm>
-            <a:off x="611188" y="372641"/>
-            <a:ext cx="7904162" cy="1317092"/>
+            <a:off x="646113" y="942975"/>
+            <a:ext cx="7886700" cy="5257800"/>
           </a:xfrm>
-          <a:prstGeom prst="rect">
-            <a:avLst/>
-          </a:prstGeom>
         </p:spPr>
-        <p:txBody>
-          <a:bodyPr wrap="square">
-            <a:spAutoFit/>
-          </a:bodyPr>
-          <a:lstStyle/>
-          <a:p>
-            <a:pPr>
-              <a:lnSpc>
-                <a:spcPct val="107000"/>
-              </a:lnSpc>
-              <a:spcBef>
-                <a:spcPts val="200"/>
-              </a:spcBef>
-              <a:spcAft>
-                <a:spcPts val="0"/>
-              </a:spcAft>
-            </a:pPr>
-            <a:r>
-              <a:rPr lang="ru-RU" sz="2800" b="1" dirty="0">
-                <a:solidFill>
-                  <a:srgbClr val="000000"/>
-                </a:solidFill>
-                <a:latin typeface="Times New Roman" panose="02020603050405020304" pitchFamily="18" charset="0"/>
-                <a:ea typeface="Times New Roman" panose="02020603050405020304" pitchFamily="18" charset="0"/>
-                <a:cs typeface="Times New Roman" panose="02020603050405020304" pitchFamily="18" charset="0"/>
-              </a:rPr>
-              <a:t>Дискриминатор</a:t>
-            </a:r>
-          </a:p>
-          <a:p>
-            <a:pPr>
-              <a:lnSpc>
-                <a:spcPct val="107000"/>
-              </a:lnSpc>
-              <a:spcAft>
-                <a:spcPts val="800"/>
-              </a:spcAft>
-            </a:pPr>
-            <a:r>
-              <a:rPr lang="ru-RU" sz="2400" dirty="0">
-                <a:latin typeface="Times New Roman" panose="02020603050405020304" pitchFamily="18" charset="0"/>
-                <a:ea typeface="Calibri" panose="020F0502020204030204" pitchFamily="34" charset="0"/>
-                <a:cs typeface="Times New Roman" panose="02020603050405020304" pitchFamily="18" charset="0"/>
-              </a:rPr>
-              <a:t>Дискриминатор получает на вход картинку и старается угадать класс картинки: настоящая или сгенерированная. </a:t>
-            </a:r>
-          </a:p>
-        </p:txBody>
-      </p:sp>
-      <p:sp>
-        <p:nvSpPr>
-          <p:cNvPr id="4" name="Прямоугольник 3">
+      </p:pic>
+      <p:sp>
+        <p:nvSpPr>
+          <p:cNvPr id="4" name="Номер слайда 3">
             <a:extLst>
               <a:ext uri="{FF2B5EF4-FFF2-40B4-BE49-F238E27FC236}">
-                <a16:creationId xmlns:a16="http://schemas.microsoft.com/office/drawing/2014/main" id="{28AB71E5-2E29-44C9-9EB7-13070829BFB5}"/>
+                <a16:creationId xmlns:a16="http://schemas.microsoft.com/office/drawing/2014/main" id="{E5EC9B06-29B4-4CFE-A76F-4651D608F986}"/>
               </a:ext>
             </a:extLst>
           </p:cNvPr>
-          <p:cNvSpPr/>
-          <p:nvPr/>
-        </p:nvSpPr>
-        <p:spPr>
-          <a:xfrm>
-            <a:off x="593725" y="1915606"/>
-            <a:ext cx="7921625" cy="2107436"/>
-          </a:xfrm>
-          <a:prstGeom prst="rect">
-            <a:avLst/>
-          </a:prstGeom>
-        </p:spPr>
-        <p:txBody>
-          <a:bodyPr wrap="square">
-            <a:spAutoFit/>
-          </a:bodyPr>
-          <a:lstStyle/>
-          <a:p>
-            <a:pPr>
-              <a:lnSpc>
-                <a:spcPct val="107000"/>
-              </a:lnSpc>
-              <a:spcBef>
-                <a:spcPts val="200"/>
-              </a:spcBef>
-              <a:spcAft>
-                <a:spcPts val="0"/>
-              </a:spcAft>
-            </a:pPr>
-            <a:r>
-              <a:rPr lang="ru-RU" sz="2800" b="1" dirty="0">
-                <a:solidFill>
-                  <a:srgbClr val="000000"/>
-                </a:solidFill>
-                <a:latin typeface="Times New Roman" panose="02020603050405020304" pitchFamily="18" charset="0"/>
-                <a:ea typeface="Times New Roman" panose="02020603050405020304" pitchFamily="18" charset="0"/>
-                <a:cs typeface="Times New Roman" panose="02020603050405020304" pitchFamily="18" charset="0"/>
-              </a:rPr>
-              <a:t>Генератор</a:t>
-            </a:r>
-          </a:p>
-          <a:p>
-            <a:pPr>
-              <a:lnSpc>
-                <a:spcPct val="107000"/>
-              </a:lnSpc>
-              <a:spcAft>
-                <a:spcPts val="800"/>
-              </a:spcAft>
-            </a:pPr>
-            <a:r>
-              <a:rPr lang="ru-RU" sz="2400" dirty="0">
-                <a:latin typeface="Times New Roman" panose="02020603050405020304" pitchFamily="18" charset="0"/>
-                <a:ea typeface="Calibri" panose="020F0502020204030204" pitchFamily="34" charset="0"/>
-                <a:cs typeface="Times New Roman" panose="02020603050405020304" pitchFamily="18" charset="0"/>
-              </a:rPr>
-              <a:t>Генератор это стандартный </a:t>
-            </a:r>
-            <a:r>
-              <a:rPr lang="en-US" sz="2400" dirty="0" err="1">
-                <a:latin typeface="Times New Roman" panose="02020603050405020304" pitchFamily="18" charset="0"/>
-                <a:ea typeface="Calibri" panose="020F0502020204030204" pitchFamily="34" charset="0"/>
-                <a:cs typeface="Times New Roman" panose="02020603050405020304" pitchFamily="18" charset="0"/>
-              </a:rPr>
-              <a:t>unet</a:t>
-            </a:r>
-            <a:r>
-              <a:rPr lang="ru-RU" sz="2400" dirty="0">
-                <a:latin typeface="Times New Roman" panose="02020603050405020304" pitchFamily="18" charset="0"/>
-                <a:ea typeface="Calibri" panose="020F0502020204030204" pitchFamily="34" charset="0"/>
-                <a:cs typeface="Times New Roman" panose="02020603050405020304" pitchFamily="18" charset="0"/>
-              </a:rPr>
-              <a:t>. Выходных слоев 3 </a:t>
-            </a:r>
-            <a:r>
-              <a:rPr lang="ru-RU" sz="2400" dirty="0" err="1">
-                <a:latin typeface="Times New Roman" panose="02020603050405020304" pitchFamily="18" charset="0"/>
-                <a:ea typeface="Calibri" panose="020F0502020204030204" pitchFamily="34" charset="0"/>
-                <a:cs typeface="Times New Roman" panose="02020603050405020304" pitchFamily="18" charset="0"/>
-              </a:rPr>
-              <a:t>соотвественно</a:t>
-            </a:r>
-            <a:r>
-              <a:rPr lang="ru-RU" sz="2400" dirty="0">
-                <a:latin typeface="Times New Roman" panose="02020603050405020304" pitchFamily="18" charset="0"/>
-                <a:ea typeface="Calibri" panose="020F0502020204030204" pitchFamily="34" charset="0"/>
-                <a:cs typeface="Times New Roman" panose="02020603050405020304" pitchFamily="18" charset="0"/>
-              </a:rPr>
-              <a:t> на каждый канал </a:t>
-            </a:r>
-            <a:r>
-              <a:rPr lang="en-US" sz="2400" dirty="0">
-                <a:latin typeface="Times New Roman" panose="02020603050405020304" pitchFamily="18" charset="0"/>
-                <a:ea typeface="Calibri" panose="020F0502020204030204" pitchFamily="34" charset="0"/>
-                <a:cs typeface="Times New Roman" panose="02020603050405020304" pitchFamily="18" charset="0"/>
-              </a:rPr>
-              <a:t>RGB</a:t>
-            </a:r>
-            <a:r>
-              <a:rPr lang="ru-RU" sz="2400" dirty="0">
-                <a:latin typeface="Times New Roman" panose="02020603050405020304" pitchFamily="18" charset="0"/>
-                <a:ea typeface="Calibri" panose="020F0502020204030204" pitchFamily="34" charset="0"/>
-                <a:cs typeface="Times New Roman" panose="02020603050405020304" pitchFamily="18" charset="0"/>
-              </a:rPr>
-              <a:t>. Функция активации на выходе тангенс потому что мы нормализовали наши данные в диапазоне от -1 до 1. </a:t>
-            </a:r>
-          </a:p>
-        </p:txBody>
-      </p:sp>
-      <p:sp>
-        <p:nvSpPr>
-          <p:cNvPr id="5" name="Прямоугольник 4">
-            <a:extLst>
-              <a:ext uri="{FF2B5EF4-FFF2-40B4-BE49-F238E27FC236}">
-                <a16:creationId xmlns:a16="http://schemas.microsoft.com/office/drawing/2014/main" id="{E09A9459-7481-4FF6-9A0B-84D895C8C5D0}"/>
-              </a:ext>
-            </a:extLst>
-          </p:cNvPr>
-          <p:cNvSpPr/>
-          <p:nvPr/>
-        </p:nvSpPr>
-        <p:spPr>
-          <a:xfrm>
-            <a:off x="593725" y="4192019"/>
-            <a:ext cx="7904162" cy="1419684"/>
-          </a:xfrm>
-          <a:prstGeom prst="rect">
-            <a:avLst/>
-          </a:prstGeom>
-        </p:spPr>
-        <p:txBody>
-          <a:bodyPr wrap="square">
-            <a:spAutoFit/>
-          </a:bodyPr>
-          <a:lstStyle/>
-          <a:p>
-            <a:pPr>
-              <a:lnSpc>
-                <a:spcPct val="107000"/>
-              </a:lnSpc>
-              <a:spcAft>
-                <a:spcPts val="800"/>
-              </a:spcAft>
-            </a:pPr>
-            <a:r>
-              <a:rPr lang="en-US" sz="2800" b="1" dirty="0">
-                <a:latin typeface="Times New Roman" panose="02020603050405020304" pitchFamily="18" charset="0"/>
-                <a:ea typeface="Calibri" panose="020F0502020204030204" pitchFamily="34" charset="0"/>
-                <a:cs typeface="Times New Roman" panose="02020603050405020304" pitchFamily="18" charset="0"/>
-              </a:rPr>
-              <a:t>GAN</a:t>
-            </a:r>
-            <a:r>
-              <a:rPr lang="en-US" dirty="0">
-                <a:latin typeface="Times New Roman" panose="02020603050405020304" pitchFamily="18" charset="0"/>
-                <a:ea typeface="Calibri" panose="020F0502020204030204" pitchFamily="34" charset="0"/>
-                <a:cs typeface="Times New Roman" panose="02020603050405020304" pitchFamily="18" charset="0"/>
-              </a:rPr>
-              <a:t> </a:t>
-            </a:r>
-          </a:p>
-          <a:p>
-            <a:pPr>
-              <a:lnSpc>
-                <a:spcPct val="107000"/>
-              </a:lnSpc>
-              <a:spcAft>
-                <a:spcPts val="800"/>
-              </a:spcAft>
-            </a:pPr>
-            <a:r>
-              <a:rPr lang="ru-RU" sz="2400" dirty="0">
-                <a:latin typeface="Times New Roman" panose="02020603050405020304" pitchFamily="18" charset="0"/>
-                <a:ea typeface="Calibri" panose="020F0502020204030204" pitchFamily="34" charset="0"/>
-                <a:cs typeface="Times New Roman" panose="02020603050405020304" pitchFamily="18" charset="0"/>
-              </a:rPr>
-              <a:t>состоит из трех моделей: генератора, дискриминатора и </a:t>
-            </a:r>
-            <a:r>
-              <a:rPr lang="en-US" sz="2400" dirty="0">
-                <a:latin typeface="Times New Roman" panose="02020603050405020304" pitchFamily="18" charset="0"/>
-                <a:ea typeface="Calibri" panose="020F0502020204030204" pitchFamily="34" charset="0"/>
-                <a:cs typeface="Times New Roman" panose="02020603050405020304" pitchFamily="18" charset="0"/>
-              </a:rPr>
-              <a:t>VGG </a:t>
-            </a:r>
-            <a:r>
-              <a:rPr lang="ru-RU" sz="2400" dirty="0">
-                <a:latin typeface="Times New Roman" panose="02020603050405020304" pitchFamily="18" charset="0"/>
-                <a:ea typeface="Calibri" panose="020F0502020204030204" pitchFamily="34" charset="0"/>
-                <a:cs typeface="Times New Roman" panose="02020603050405020304" pitchFamily="18" charset="0"/>
-              </a:rPr>
-              <a:t>для </a:t>
-            </a:r>
-            <a:r>
-              <a:rPr lang="en-US" sz="2400" dirty="0">
-                <a:latin typeface="Times New Roman" panose="02020603050405020304" pitchFamily="18" charset="0"/>
-                <a:ea typeface="Calibri" panose="020F0502020204030204" pitchFamily="34" charset="0"/>
-                <a:cs typeface="Times New Roman" panose="02020603050405020304" pitchFamily="18" charset="0"/>
-              </a:rPr>
-              <a:t>feature loss</a:t>
-            </a:r>
-            <a:r>
-              <a:rPr lang="ru-RU" dirty="0">
-                <a:latin typeface="Times New Roman" panose="02020603050405020304" pitchFamily="18" charset="0"/>
-                <a:ea typeface="Calibri" panose="020F0502020204030204" pitchFamily="34" charset="0"/>
-                <a:cs typeface="Times New Roman" panose="02020603050405020304" pitchFamily="18" charset="0"/>
-              </a:rPr>
-              <a:t>. </a:t>
-            </a:r>
+          <p:cNvSpPr>
+            <a:spLocks noGrp="1"/>
+          </p:cNvSpPr>
+          <p:nvPr>
+            <p:ph type="sldNum" sz="quarter" idx="12"/>
+          </p:nvPr>
+        </p:nvSpPr>
+        <p:spPr/>
+        <p:txBody>
+          <a:bodyPr/>
+          <a:lstStyle/>
+          <a:p>
+            <a:fld id="{F2AF2E1E-BC60-0946-A66B-DD309B164FA9}" type="slidenum">
+              <a:rPr lang="ru-RU" smtClean="0"/>
+              <a:t>13</a:t>
+            </a:fld>
+            <a:endParaRPr lang="ru-RU"/>
           </a:p>
         </p:txBody>
       </p:sp>
     </p:spTree>
     <p:extLst>
       <p:ext uri="{BB962C8B-B14F-4D97-AF65-F5344CB8AC3E}">
-        <p14:creationId xmlns:p14="http://schemas.microsoft.com/office/powerpoint/2010/main" val="1283099755"/>
+        <p14:creationId xmlns:p14="http://schemas.microsoft.com/office/powerpoint/2010/main" val="280835320"/>
       </p:ext>
     </p:extLst>
   </p:cSld>
@@ -5985,10 +5692,10 @@
       </p:grpSpPr>
       <p:sp>
         <p:nvSpPr>
-          <p:cNvPr id="2" name="Заголовок 1">
+          <p:cNvPr id="2" name="Номер слайда 1">
             <a:extLst>
               <a:ext uri="{FF2B5EF4-FFF2-40B4-BE49-F238E27FC236}">
-                <a16:creationId xmlns:a16="http://schemas.microsoft.com/office/drawing/2014/main" id="{BED45A0B-EC42-4554-BA5D-D7228F527086}"/>
+                <a16:creationId xmlns:a16="http://schemas.microsoft.com/office/drawing/2014/main" id="{DE2C0846-6A25-45D4-A801-0D690F2114E4}"/>
               </a:ext>
             </a:extLst>
           </p:cNvPr>
@@ -5996,88 +5703,262 @@
             <a:spLocks noGrp="1"/>
           </p:cNvSpPr>
           <p:nvPr>
-            <p:ph type="title"/>
-          </p:nvPr>
-        </p:nvSpPr>
-        <p:spPr>
-          <a:xfrm>
-            <a:off x="628650" y="365126"/>
-            <a:ext cx="7886700" cy="679903"/>
-          </a:xfrm>
-        </p:spPr>
+            <p:ph type="sldNum" sz="quarter" idx="12"/>
+          </p:nvPr>
+        </p:nvSpPr>
+        <p:spPr/>
         <p:txBody>
           <a:bodyPr/>
           <a:lstStyle/>
           <a:p>
-            <a:r>
-              <a:rPr lang="ru-RU" dirty="0"/>
-              <a:t>Примеры</a:t>
-            </a:r>
-          </a:p>
-        </p:txBody>
-      </p:sp>
-      <p:pic>
-        <p:nvPicPr>
-          <p:cNvPr id="12" name="Объект 11" descr="Примеры">
+            <a:fld id="{6DA12EE1-EEA5-4AF3-B4EE-82DF0E32AA3F}" type="slidenum">
+              <a:rPr lang="ru-RU" smtClean="0"/>
+              <a:pPr/>
+              <a:t>14</a:t>
+            </a:fld>
+            <a:endParaRPr lang="ru-RU" dirty="0"/>
+          </a:p>
+        </p:txBody>
+      </p:sp>
+      <p:sp>
+        <p:nvSpPr>
+          <p:cNvPr id="3" name="Прямоугольник 2">
             <a:extLst>
               <a:ext uri="{FF2B5EF4-FFF2-40B4-BE49-F238E27FC236}">
-                <a16:creationId xmlns:a16="http://schemas.microsoft.com/office/drawing/2014/main" id="{324B15C8-B82D-4858-9947-49CD237E3EA5}"/>
+                <a16:creationId xmlns:a16="http://schemas.microsoft.com/office/drawing/2014/main" id="{F505AF65-EA31-4CCE-935E-68A5CCB44054}"/>
               </a:ext>
             </a:extLst>
           </p:cNvPr>
-          <p:cNvPicPr>
-            <a:picLocks noGrp="1" noChangeAspect="1"/>
-          </p:cNvPicPr>
-          <p:nvPr>
-            <p:ph idx="1"/>
-          </p:nvPr>
-        </p:nvPicPr>
-        <p:blipFill>
-          <a:blip r:embed="rId2"/>
-          <a:stretch>
-            <a:fillRect/>
-          </a:stretch>
-        </p:blipFill>
+          <p:cNvSpPr/>
+          <p:nvPr/>
+        </p:nvSpPr>
         <p:spPr>
           <a:xfrm>
-            <a:off x="725142" y="1045029"/>
-            <a:ext cx="7693715" cy="5129143"/>
+            <a:off x="628649" y="368300"/>
+            <a:ext cx="7904163" cy="3395545"/>
           </a:xfrm>
+          <a:prstGeom prst="rect">
+            <a:avLst/>
+          </a:prstGeom>
         </p:spPr>
-      </p:pic>
-      <p:sp>
-        <p:nvSpPr>
-          <p:cNvPr id="4" name="Номер слайда 3">
-            <a:extLst>
-              <a:ext uri="{FF2B5EF4-FFF2-40B4-BE49-F238E27FC236}">
-                <a16:creationId xmlns:a16="http://schemas.microsoft.com/office/drawing/2014/main" id="{BE7820FA-C1F5-4775-B409-B9432E39C2A0}"/>
-              </a:ext>
-            </a:extLst>
-          </p:cNvPr>
-          <p:cNvSpPr>
-            <a:spLocks noGrp="1"/>
-          </p:cNvSpPr>
-          <p:nvPr>
-            <p:ph type="sldNum" sz="quarter" idx="12"/>
-          </p:nvPr>
-        </p:nvSpPr>
-        <p:spPr/>
-        <p:txBody>
-          <a:bodyPr/>
-          <a:lstStyle/>
-          <a:p>
-            <a:fld id="{F2AF2E1E-BC60-0946-A66B-DD309B164FA9}" type="slidenum">
-              <a:rPr lang="ru-RU" smtClean="0"/>
-              <a:t>14</a:t>
-            </a:fld>
-            <a:endParaRPr lang="ru-RU"/>
+        <p:txBody>
+          <a:bodyPr wrap="square">
+            <a:spAutoFit/>
+          </a:bodyPr>
+          <a:lstStyle/>
+          <a:p>
+            <a:pPr>
+              <a:lnSpc>
+                <a:spcPct val="107000"/>
+              </a:lnSpc>
+              <a:spcBef>
+                <a:spcPts val="200"/>
+              </a:spcBef>
+              <a:spcAft>
+                <a:spcPts val="0"/>
+              </a:spcAft>
+            </a:pPr>
+            <a:r>
+              <a:rPr lang="ru-RU" sz="2800" b="1" dirty="0">
+                <a:latin typeface="Times New Roman" panose="02020603050405020304" pitchFamily="18" charset="0"/>
+                <a:ea typeface="Times New Roman" panose="02020603050405020304" pitchFamily="18" charset="0"/>
+                <a:cs typeface="Times New Roman" panose="02020603050405020304" pitchFamily="18" charset="0"/>
+              </a:rPr>
+              <a:t>Конвертация в </a:t>
+            </a:r>
+            <a:r>
+              <a:rPr lang="en-US" sz="2800" b="1" dirty="0" err="1">
+                <a:latin typeface="Times New Roman" panose="02020603050405020304" pitchFamily="18" charset="0"/>
+                <a:ea typeface="Times New Roman" panose="02020603050405020304" pitchFamily="18" charset="0"/>
+                <a:cs typeface="Times New Roman" panose="02020603050405020304" pitchFamily="18" charset="0"/>
+              </a:rPr>
+              <a:t>CoreML</a:t>
+            </a:r>
+            <a:endParaRPr lang="ru-RU" sz="2800" b="1" dirty="0">
+              <a:latin typeface="Times New Roman" panose="02020603050405020304" pitchFamily="18" charset="0"/>
+              <a:ea typeface="Times New Roman" panose="02020603050405020304" pitchFamily="18" charset="0"/>
+              <a:cs typeface="Times New Roman" panose="02020603050405020304" pitchFamily="18" charset="0"/>
+            </a:endParaRPr>
+          </a:p>
+          <a:p>
+            <a:pPr>
+              <a:lnSpc>
+                <a:spcPct val="107000"/>
+              </a:lnSpc>
+              <a:spcAft>
+                <a:spcPts val="800"/>
+              </a:spcAft>
+            </a:pPr>
+            <a:r>
+              <a:rPr lang="ru-RU" sz="2400" dirty="0">
+                <a:latin typeface="Times New Roman" panose="02020603050405020304" pitchFamily="18" charset="0"/>
+                <a:ea typeface="Calibri" panose="020F0502020204030204" pitchFamily="34" charset="0"/>
+                <a:cs typeface="Times New Roman" panose="02020603050405020304" pitchFamily="18" charset="0"/>
+              </a:rPr>
+              <a:t>Преимущества вычисления на телефона вместо сервера</a:t>
+            </a:r>
+            <a:r>
+              <a:rPr lang="en-US" sz="2400" dirty="0">
+                <a:latin typeface="Times New Roman" panose="02020603050405020304" pitchFamily="18" charset="0"/>
+                <a:ea typeface="Calibri" panose="020F0502020204030204" pitchFamily="34" charset="0"/>
+                <a:cs typeface="Times New Roman" panose="02020603050405020304" pitchFamily="18" charset="0"/>
+              </a:rPr>
+              <a:t>:</a:t>
+            </a:r>
+            <a:endParaRPr lang="ru-RU" sz="2400" dirty="0">
+              <a:latin typeface="Times New Roman" panose="02020603050405020304" pitchFamily="18" charset="0"/>
+              <a:ea typeface="Calibri" panose="020F0502020204030204" pitchFamily="34" charset="0"/>
+              <a:cs typeface="Times New Roman" panose="02020603050405020304" pitchFamily="18" charset="0"/>
+            </a:endParaRPr>
+          </a:p>
+          <a:p>
+            <a:pPr marL="342900" lvl="0" indent="-342900">
+              <a:lnSpc>
+                <a:spcPct val="107000"/>
+              </a:lnSpc>
+              <a:spcAft>
+                <a:spcPts val="0"/>
+              </a:spcAft>
+              <a:buFont typeface="Symbol" panose="05050102010706020507" pitchFamily="18" charset="2"/>
+              <a:buChar char=""/>
+            </a:pPr>
+            <a:r>
+              <a:rPr lang="ru-RU" sz="2400" dirty="0">
+                <a:latin typeface="Times New Roman" panose="02020603050405020304" pitchFamily="18" charset="0"/>
+                <a:ea typeface="Calibri" panose="020F0502020204030204" pitchFamily="34" charset="0"/>
+                <a:cs typeface="Times New Roman" panose="02020603050405020304" pitchFamily="18" charset="0"/>
+              </a:rPr>
+              <a:t>Бесплатные вычисления.</a:t>
+            </a:r>
+          </a:p>
+          <a:p>
+            <a:pPr marL="342900" lvl="0" indent="-342900">
+              <a:lnSpc>
+                <a:spcPct val="107000"/>
+              </a:lnSpc>
+              <a:spcAft>
+                <a:spcPts val="0"/>
+              </a:spcAft>
+              <a:buFont typeface="Symbol" panose="05050102010706020507" pitchFamily="18" charset="2"/>
+              <a:buChar char=""/>
+            </a:pPr>
+            <a:r>
+              <a:rPr lang="ru-RU" sz="2400" dirty="0">
+                <a:latin typeface="Times New Roman" panose="02020603050405020304" pitchFamily="18" charset="0"/>
+                <a:ea typeface="Calibri" panose="020F0502020204030204" pitchFamily="34" charset="0"/>
+                <a:cs typeface="Times New Roman" panose="02020603050405020304" pitchFamily="18" charset="0"/>
+              </a:rPr>
+              <a:t>Нет потенциальных проблем с безопасностью. </a:t>
+            </a:r>
+            <a:endParaRPr lang="en-US" sz="2400" dirty="0">
+              <a:latin typeface="Times New Roman" panose="02020603050405020304" pitchFamily="18" charset="0"/>
+              <a:ea typeface="Calibri" panose="020F0502020204030204" pitchFamily="34" charset="0"/>
+              <a:cs typeface="Times New Roman" panose="02020603050405020304" pitchFamily="18" charset="0"/>
+            </a:endParaRPr>
+          </a:p>
+          <a:p>
+            <a:pPr marL="342900" lvl="0" indent="-342900">
+              <a:lnSpc>
+                <a:spcPct val="107000"/>
+              </a:lnSpc>
+              <a:spcAft>
+                <a:spcPts val="0"/>
+              </a:spcAft>
+              <a:buFont typeface="Symbol" panose="05050102010706020507" pitchFamily="18" charset="2"/>
+              <a:buChar char=""/>
+            </a:pPr>
+            <a:r>
+              <a:rPr lang="ru-RU" sz="2400" dirty="0">
+                <a:latin typeface="Times New Roman" panose="02020603050405020304" pitchFamily="18" charset="0"/>
+                <a:ea typeface="Calibri" panose="020F0502020204030204" pitchFamily="34" charset="0"/>
+                <a:cs typeface="Times New Roman" panose="02020603050405020304" pitchFamily="18" charset="0"/>
+              </a:rPr>
+              <a:t>Неограниченная масштабируемость. </a:t>
+            </a:r>
+            <a:endParaRPr lang="en-US" sz="2400" dirty="0">
+              <a:latin typeface="Times New Roman" panose="02020603050405020304" pitchFamily="18" charset="0"/>
+              <a:ea typeface="Calibri" panose="020F0502020204030204" pitchFamily="34" charset="0"/>
+              <a:cs typeface="Times New Roman" panose="02020603050405020304" pitchFamily="18" charset="0"/>
+            </a:endParaRPr>
+          </a:p>
+          <a:p>
+            <a:pPr lvl="0">
+              <a:lnSpc>
+                <a:spcPct val="107000"/>
+              </a:lnSpc>
+              <a:spcAft>
+                <a:spcPts val="0"/>
+              </a:spcAft>
+            </a:pPr>
+            <a:r>
+              <a:rPr lang="en-US" sz="2400" dirty="0" err="1">
+                <a:latin typeface="Times New Roman" panose="02020603050405020304" pitchFamily="18" charset="0"/>
+                <a:ea typeface="Calibri" panose="020F0502020204030204" pitchFamily="34" charset="0"/>
+                <a:cs typeface="Times New Roman" panose="02020603050405020304" pitchFamily="18" charset="0"/>
+              </a:rPr>
+              <a:t>CoreML</a:t>
+            </a:r>
+            <a:r>
+              <a:rPr lang="en-US" sz="2400" dirty="0">
+                <a:latin typeface="Times New Roman" panose="02020603050405020304" pitchFamily="18" charset="0"/>
+                <a:ea typeface="Calibri" panose="020F0502020204030204" pitchFamily="34" charset="0"/>
+                <a:cs typeface="Times New Roman" panose="02020603050405020304" pitchFamily="18" charset="0"/>
+              </a:rPr>
+              <a:t> </a:t>
+            </a:r>
+            <a:r>
+              <a:rPr lang="ru-RU" sz="2400" dirty="0">
+                <a:latin typeface="Times New Roman" panose="02020603050405020304" pitchFamily="18" charset="0"/>
+                <a:ea typeface="Calibri" panose="020F0502020204030204" pitchFamily="34" charset="0"/>
+                <a:cs typeface="Times New Roman" panose="02020603050405020304" pitchFamily="18" charset="0"/>
+              </a:rPr>
+              <a:t>– это фреймворк разработанный компанией </a:t>
+            </a:r>
+            <a:r>
+              <a:rPr lang="en-US" sz="2400" dirty="0">
+                <a:latin typeface="Times New Roman" panose="02020603050405020304" pitchFamily="18" charset="0"/>
+                <a:ea typeface="Calibri" panose="020F0502020204030204" pitchFamily="34" charset="0"/>
+                <a:cs typeface="Times New Roman" panose="02020603050405020304" pitchFamily="18" charset="0"/>
+              </a:rPr>
+              <a:t>Apple </a:t>
+            </a:r>
+            <a:r>
+              <a:rPr lang="ru-RU" sz="2400" dirty="0">
+                <a:latin typeface="Times New Roman" panose="02020603050405020304" pitchFamily="18" charset="0"/>
+                <a:ea typeface="Calibri" panose="020F0502020204030204" pitchFamily="34" charset="0"/>
+                <a:cs typeface="Times New Roman" panose="02020603050405020304" pitchFamily="18" charset="0"/>
+              </a:rPr>
+              <a:t>для интеграции моделей машинного обучение в телефоны операционной системы </a:t>
+            </a:r>
+            <a:r>
+              <a:rPr lang="en-US" sz="2400" dirty="0">
+                <a:latin typeface="Times New Roman" panose="02020603050405020304" pitchFamily="18" charset="0"/>
+                <a:ea typeface="Calibri" panose="020F0502020204030204" pitchFamily="34" charset="0"/>
+                <a:cs typeface="Times New Roman" panose="02020603050405020304" pitchFamily="18" charset="0"/>
+              </a:rPr>
+              <a:t>iOS</a:t>
+            </a:r>
+            <a:r>
+              <a:rPr lang="ru-RU" sz="2400" dirty="0">
+                <a:latin typeface="Times New Roman" panose="02020603050405020304" pitchFamily="18" charset="0"/>
+                <a:ea typeface="Calibri" panose="020F0502020204030204" pitchFamily="34" charset="0"/>
+                <a:cs typeface="Times New Roman" panose="02020603050405020304" pitchFamily="18" charset="0"/>
+              </a:rPr>
+              <a:t>.</a:t>
+            </a:r>
+            <a:endParaRPr lang="ru-RU" sz="2400" kern="0" dirty="0">
+              <a:effectLst/>
+              <a:latin typeface="Times New Roman" panose="02020603050405020304" pitchFamily="18" charset="0"/>
+              <a:ea typeface="Times New Roman" panose="02020603050405020304" pitchFamily="18" charset="0"/>
+              <a:cs typeface="Times New Roman" panose="02020603050405020304" pitchFamily="18" charset="0"/>
+            </a:endParaRPr>
           </a:p>
         </p:txBody>
       </p:sp>
     </p:spTree>
     <p:extLst>
       <p:ext uri="{BB962C8B-B14F-4D97-AF65-F5344CB8AC3E}">
-        <p14:creationId xmlns:p14="http://schemas.microsoft.com/office/powerpoint/2010/main" val="374233868"/>
+        <p14:creationId xmlns:p14="http://schemas.microsoft.com/office/powerpoint/2010/main" val="563191902"/>
       </p:ext>
     </p:extLst>
   </p:cSld>
@@ -6109,7 +5990,7 @@
           <p:cNvPr id="2" name="Заголовок 1">
             <a:extLst>
               <a:ext uri="{FF2B5EF4-FFF2-40B4-BE49-F238E27FC236}">
-                <a16:creationId xmlns:a16="http://schemas.microsoft.com/office/drawing/2014/main" id="{AA378208-23E5-4DBB-B03E-9D53E18E34DB}"/>
+                <a16:creationId xmlns:a16="http://schemas.microsoft.com/office/drawing/2014/main" id="{06BD49D8-EE2F-45FA-B041-94E2CF317C86}"/>
               </a:ext>
             </a:extLst>
           </p:cNvPr>
@@ -6120,35 +6001,104 @@
             <p:ph type="title"/>
           </p:nvPr>
         </p:nvSpPr>
-        <p:spPr>
-          <a:xfrm>
-            <a:off x="628650" y="365126"/>
-            <a:ext cx="7886700" cy="814317"/>
-          </a:xfrm>
-        </p:spPr>
+        <p:spPr/>
         <p:txBody>
           <a:bodyPr/>
           <a:lstStyle/>
           <a:p>
-            <a:endParaRPr lang="ru-RU" dirty="0"/>
+            <a:r>
+              <a:rPr lang="ru-RU" dirty="0"/>
+              <a:t>Приложения</a:t>
+            </a:r>
+          </a:p>
+        </p:txBody>
+      </p:sp>
+      <p:sp>
+        <p:nvSpPr>
+          <p:cNvPr id="3" name="Объект 2">
+            <a:extLst>
+              <a:ext uri="{FF2B5EF4-FFF2-40B4-BE49-F238E27FC236}">
+                <a16:creationId xmlns:a16="http://schemas.microsoft.com/office/drawing/2014/main" id="{C9322EED-4E48-4F27-8AA0-9A90653E4551}"/>
+              </a:ext>
+            </a:extLst>
+          </p:cNvPr>
+          <p:cNvSpPr>
+            <a:spLocks noGrp="1"/>
+          </p:cNvSpPr>
+          <p:nvPr>
+            <p:ph idx="1"/>
+          </p:nvPr>
+        </p:nvSpPr>
+        <p:spPr/>
+        <p:txBody>
+          <a:bodyPr/>
+          <a:lstStyle/>
+          <a:p>
+            <a:r>
+              <a:rPr lang="ru-RU" dirty="0"/>
+              <a:t>Приложение написано на языке </a:t>
+            </a:r>
+            <a:r>
+              <a:rPr lang="ru-RU" dirty="0" err="1"/>
+              <a:t>Swift</a:t>
+            </a:r>
+            <a:r>
+              <a:rPr lang="ru-RU" dirty="0"/>
+              <a:t> в среде разработке </a:t>
+            </a:r>
+            <a:r>
+              <a:rPr lang="ru-RU" dirty="0" err="1"/>
+              <a:t>Xcode</a:t>
+            </a:r>
+            <a:r>
+              <a:rPr lang="ru-RU" dirty="0"/>
+              <a:t>.</a:t>
+            </a:r>
+          </a:p>
+        </p:txBody>
+      </p:sp>
+      <p:sp>
+        <p:nvSpPr>
+          <p:cNvPr id="4" name="Номер слайда 3">
+            <a:extLst>
+              <a:ext uri="{FF2B5EF4-FFF2-40B4-BE49-F238E27FC236}">
+                <a16:creationId xmlns:a16="http://schemas.microsoft.com/office/drawing/2014/main" id="{21943456-5878-4B93-8FE9-741D02B0F952}"/>
+              </a:ext>
+            </a:extLst>
+          </p:cNvPr>
+          <p:cNvSpPr>
+            <a:spLocks noGrp="1"/>
+          </p:cNvSpPr>
+          <p:nvPr>
+            <p:ph type="sldNum" sz="quarter" idx="12"/>
+          </p:nvPr>
+        </p:nvSpPr>
+        <p:spPr/>
+        <p:txBody>
+          <a:bodyPr/>
+          <a:lstStyle/>
+          <a:p>
+            <a:fld id="{F2AF2E1E-BC60-0946-A66B-DD309B164FA9}" type="slidenum">
+              <a:rPr lang="ru-RU" smtClean="0"/>
+              <a:t>15</a:t>
+            </a:fld>
+            <a:endParaRPr lang="ru-RU"/>
           </a:p>
         </p:txBody>
       </p:sp>
       <p:pic>
         <p:nvPicPr>
-          <p:cNvPr id="6" name="Объект 5" descr="Изображение выглядит как фотография, девочка, человек, сидит&#10;&#10;Автоматически созданное описание">
+          <p:cNvPr id="8" name="Рисунок 7">
             <a:extLst>
               <a:ext uri="{FF2B5EF4-FFF2-40B4-BE49-F238E27FC236}">
-                <a16:creationId xmlns:a16="http://schemas.microsoft.com/office/drawing/2014/main" id="{2A4B0645-0857-4479-AB13-09003EE73FF5}"/>
+                <a16:creationId xmlns:a16="http://schemas.microsoft.com/office/drawing/2014/main" id="{79ABE231-DD6E-4D10-A8D7-B34BBFAA7DB2}"/>
               </a:ext>
             </a:extLst>
           </p:cNvPr>
           <p:cNvPicPr>
-            <a:picLocks noGrp="1" noChangeAspect="1"/>
+            <a:picLocks noChangeAspect="1"/>
           </p:cNvPicPr>
-          <p:nvPr>
-            <p:ph idx="1"/>
-          </p:nvPr>
+          <p:nvPr/>
         </p:nvPicPr>
         <p:blipFill>
           <a:blip r:embed="rId2"/>
@@ -6158,44 +6108,18 @@
         </p:blipFill>
         <p:spPr>
           <a:xfrm>
-            <a:off x="646113" y="942975"/>
-            <a:ext cx="7886700" cy="5257800"/>
+            <a:off x="924222" y="3291383"/>
+            <a:ext cx="2461717" cy="2461717"/>
           </a:xfrm>
+          <a:prstGeom prst="rect">
+            <a:avLst/>
+          </a:prstGeom>
         </p:spPr>
       </p:pic>
-      <p:sp>
-        <p:nvSpPr>
-          <p:cNvPr id="4" name="Номер слайда 3">
-            <a:extLst>
-              <a:ext uri="{FF2B5EF4-FFF2-40B4-BE49-F238E27FC236}">
-                <a16:creationId xmlns:a16="http://schemas.microsoft.com/office/drawing/2014/main" id="{E5EC9B06-29B4-4CFE-A76F-4651D608F986}"/>
-              </a:ext>
-            </a:extLst>
-          </p:cNvPr>
-          <p:cNvSpPr>
-            <a:spLocks noGrp="1"/>
-          </p:cNvSpPr>
-          <p:nvPr>
-            <p:ph type="sldNum" sz="quarter" idx="12"/>
-          </p:nvPr>
-        </p:nvSpPr>
-        <p:spPr/>
-        <p:txBody>
-          <a:bodyPr/>
-          <a:lstStyle/>
-          <a:p>
-            <a:fld id="{F2AF2E1E-BC60-0946-A66B-DD309B164FA9}" type="slidenum">
-              <a:rPr lang="ru-RU" smtClean="0"/>
-              <a:t>15</a:t>
-            </a:fld>
-            <a:endParaRPr lang="ru-RU"/>
-          </a:p>
-        </p:txBody>
-      </p:sp>
     </p:spTree>
     <p:extLst>
       <p:ext uri="{BB962C8B-B14F-4D97-AF65-F5344CB8AC3E}">
-        <p14:creationId xmlns:p14="http://schemas.microsoft.com/office/powerpoint/2010/main" val="280835320"/>
+        <p14:creationId xmlns:p14="http://schemas.microsoft.com/office/powerpoint/2010/main" val="2414172489"/>
       </p:ext>
     </p:extLst>
   </p:cSld>
@@ -6224,10 +6148,10 @@
       </p:grpSpPr>
       <p:sp>
         <p:nvSpPr>
-          <p:cNvPr id="2" name="Номер слайда 1">
+          <p:cNvPr id="2" name="Заголовок 1">
             <a:extLst>
               <a:ext uri="{FF2B5EF4-FFF2-40B4-BE49-F238E27FC236}">
-                <a16:creationId xmlns:a16="http://schemas.microsoft.com/office/drawing/2014/main" id="{DE2C0846-6A25-45D4-A801-0D690F2114E4}"/>
+                <a16:creationId xmlns:a16="http://schemas.microsoft.com/office/drawing/2014/main" id="{97C0C47F-F386-46E1-8CAD-466C248F8862}"/>
               </a:ext>
             </a:extLst>
           </p:cNvPr>
@@ -6235,7 +6159,7 @@
             <a:spLocks noGrp="1"/>
           </p:cNvSpPr>
           <p:nvPr>
-            <p:ph type="sldNum" sz="quarter" idx="12"/>
+            <p:ph type="title"/>
           </p:nvPr>
         </p:nvSpPr>
         <p:spPr/>
@@ -6243,254 +6167,71 @@
           <a:bodyPr/>
           <a:lstStyle/>
           <a:p>
-            <a:fld id="{6DA12EE1-EEA5-4AF3-B4EE-82DF0E32AA3F}" type="slidenum">
-              <a:rPr lang="ru-RU" smtClean="0"/>
-              <a:pPr/>
-              <a:t>16</a:t>
-            </a:fld>
-            <a:endParaRPr lang="ru-RU" dirty="0"/>
-          </a:p>
-        </p:txBody>
-      </p:sp>
-      <p:sp>
-        <p:nvSpPr>
-          <p:cNvPr id="3" name="Прямоугольник 2">
+            <a:r>
+              <a:rPr lang="ru-RU" dirty="0"/>
+              <a:t>Демо</a:t>
+            </a:r>
+          </a:p>
+        </p:txBody>
+      </p:sp>
+      <p:sp>
+        <p:nvSpPr>
+          <p:cNvPr id="3" name="Объект 2">
             <a:extLst>
               <a:ext uri="{FF2B5EF4-FFF2-40B4-BE49-F238E27FC236}">
-                <a16:creationId xmlns:a16="http://schemas.microsoft.com/office/drawing/2014/main" id="{F505AF65-EA31-4CCE-935E-68A5CCB44054}"/>
+                <a16:creationId xmlns:a16="http://schemas.microsoft.com/office/drawing/2014/main" id="{06CB8E0E-E596-4EFC-9B32-7C4A99158A87}"/>
               </a:ext>
             </a:extLst>
           </p:cNvPr>
-          <p:cNvSpPr/>
-          <p:nvPr/>
-        </p:nvSpPr>
-        <p:spPr>
-          <a:xfrm>
-            <a:off x="628649" y="368300"/>
-            <a:ext cx="7904163" cy="3395545"/>
-          </a:xfrm>
-          <a:prstGeom prst="rect">
-            <a:avLst/>
-          </a:prstGeom>
-        </p:spPr>
-        <p:txBody>
-          <a:bodyPr wrap="square">
-            <a:spAutoFit/>
-          </a:bodyPr>
-          <a:lstStyle/>
-          <a:p>
-            <a:pPr>
-              <a:lnSpc>
-                <a:spcPct val="107000"/>
-              </a:lnSpc>
-              <a:spcBef>
-                <a:spcPts val="200"/>
-              </a:spcBef>
-              <a:spcAft>
-                <a:spcPts val="0"/>
-              </a:spcAft>
-            </a:pPr>
-            <a:r>
-              <a:rPr lang="ru-RU" sz="2800" b="1" dirty="0">
-                <a:latin typeface="Times New Roman" panose="02020603050405020304" pitchFamily="18" charset="0"/>
-                <a:ea typeface="Times New Roman" panose="02020603050405020304" pitchFamily="18" charset="0"/>
-                <a:cs typeface="Times New Roman" panose="02020603050405020304" pitchFamily="18" charset="0"/>
-              </a:rPr>
-              <a:t>Конвертация в </a:t>
-            </a:r>
-            <a:r>
-              <a:rPr lang="en-US" sz="2800" b="1" dirty="0" err="1">
-                <a:latin typeface="Times New Roman" panose="02020603050405020304" pitchFamily="18" charset="0"/>
-                <a:ea typeface="Times New Roman" panose="02020603050405020304" pitchFamily="18" charset="0"/>
-                <a:cs typeface="Times New Roman" panose="02020603050405020304" pitchFamily="18" charset="0"/>
-              </a:rPr>
-              <a:t>CoreML</a:t>
-            </a:r>
-            <a:endParaRPr lang="ru-RU" sz="2800" b="1" dirty="0">
-              <a:latin typeface="Times New Roman" panose="02020603050405020304" pitchFamily="18" charset="0"/>
-              <a:ea typeface="Times New Roman" panose="02020603050405020304" pitchFamily="18" charset="0"/>
-              <a:cs typeface="Times New Roman" panose="02020603050405020304" pitchFamily="18" charset="0"/>
-            </a:endParaRPr>
-          </a:p>
-          <a:p>
-            <a:pPr>
-              <a:lnSpc>
-                <a:spcPct val="107000"/>
-              </a:lnSpc>
-              <a:spcAft>
-                <a:spcPts val="800"/>
-              </a:spcAft>
-            </a:pPr>
-            <a:r>
-              <a:rPr lang="ru-RU" sz="2400" dirty="0">
-                <a:latin typeface="Times New Roman" panose="02020603050405020304" pitchFamily="18" charset="0"/>
-                <a:ea typeface="Calibri" panose="020F0502020204030204" pitchFamily="34" charset="0"/>
-                <a:cs typeface="Times New Roman" panose="02020603050405020304" pitchFamily="18" charset="0"/>
-              </a:rPr>
-              <a:t>Преимущества вычисления на телефона вместо сервера</a:t>
-            </a:r>
-            <a:r>
-              <a:rPr lang="en-US" sz="2400" dirty="0">
-                <a:latin typeface="Times New Roman" panose="02020603050405020304" pitchFamily="18" charset="0"/>
-                <a:ea typeface="Calibri" panose="020F0502020204030204" pitchFamily="34" charset="0"/>
-                <a:cs typeface="Times New Roman" panose="02020603050405020304" pitchFamily="18" charset="0"/>
-              </a:rPr>
-              <a:t>:</a:t>
-            </a:r>
-            <a:endParaRPr lang="ru-RU" sz="2400" dirty="0">
-              <a:latin typeface="Times New Roman" panose="02020603050405020304" pitchFamily="18" charset="0"/>
-              <a:ea typeface="Calibri" panose="020F0502020204030204" pitchFamily="34" charset="0"/>
-              <a:cs typeface="Times New Roman" panose="02020603050405020304" pitchFamily="18" charset="0"/>
-            </a:endParaRPr>
-          </a:p>
-          <a:p>
-            <a:pPr marL="342900" lvl="0" indent="-342900">
-              <a:lnSpc>
-                <a:spcPct val="107000"/>
-              </a:lnSpc>
-              <a:spcAft>
-                <a:spcPts val="0"/>
-              </a:spcAft>
-              <a:buFont typeface="Symbol" panose="05050102010706020507" pitchFamily="18" charset="2"/>
-              <a:buChar char=""/>
-            </a:pPr>
-            <a:r>
-              <a:rPr lang="ru-RU" sz="2400" dirty="0">
-                <a:latin typeface="Times New Roman" panose="02020603050405020304" pitchFamily="18" charset="0"/>
-                <a:ea typeface="Calibri" panose="020F0502020204030204" pitchFamily="34" charset="0"/>
-                <a:cs typeface="Times New Roman" panose="02020603050405020304" pitchFamily="18" charset="0"/>
-              </a:rPr>
-              <a:t>Бесплатные вычисления.</a:t>
-            </a:r>
-          </a:p>
-          <a:p>
-            <a:pPr marL="342900" lvl="0" indent="-342900">
-              <a:lnSpc>
-                <a:spcPct val="107000"/>
-              </a:lnSpc>
-              <a:spcAft>
-                <a:spcPts val="0"/>
-              </a:spcAft>
-              <a:buFont typeface="Symbol" panose="05050102010706020507" pitchFamily="18" charset="2"/>
-              <a:buChar char=""/>
-            </a:pPr>
-            <a:r>
-              <a:rPr lang="ru-RU" sz="2400" dirty="0">
-                <a:latin typeface="Times New Roman" panose="02020603050405020304" pitchFamily="18" charset="0"/>
-                <a:ea typeface="Calibri" panose="020F0502020204030204" pitchFamily="34" charset="0"/>
-                <a:cs typeface="Times New Roman" panose="02020603050405020304" pitchFamily="18" charset="0"/>
-              </a:rPr>
-              <a:t>Нет потенциальных проблем с безопасностью. </a:t>
-            </a:r>
-            <a:endParaRPr lang="en-US" sz="2400" dirty="0">
-              <a:latin typeface="Times New Roman" panose="02020603050405020304" pitchFamily="18" charset="0"/>
-              <a:ea typeface="Calibri" panose="020F0502020204030204" pitchFamily="34" charset="0"/>
-              <a:cs typeface="Times New Roman" panose="02020603050405020304" pitchFamily="18" charset="0"/>
-            </a:endParaRPr>
-          </a:p>
-          <a:p>
-            <a:pPr marL="342900" lvl="0" indent="-342900">
-              <a:lnSpc>
-                <a:spcPct val="107000"/>
-              </a:lnSpc>
-              <a:spcAft>
-                <a:spcPts val="0"/>
-              </a:spcAft>
-              <a:buFont typeface="Symbol" panose="05050102010706020507" pitchFamily="18" charset="2"/>
-              <a:buChar char=""/>
-            </a:pPr>
-            <a:r>
-              <a:rPr lang="ru-RU" sz="2400" dirty="0">
-                <a:latin typeface="Times New Roman" panose="02020603050405020304" pitchFamily="18" charset="0"/>
-                <a:ea typeface="Calibri" panose="020F0502020204030204" pitchFamily="34" charset="0"/>
-                <a:cs typeface="Times New Roman" panose="02020603050405020304" pitchFamily="18" charset="0"/>
-              </a:rPr>
-              <a:t>Неограниченная масштабируемость. </a:t>
-            </a:r>
-            <a:endParaRPr lang="en-US" sz="2400" dirty="0">
-              <a:latin typeface="Times New Roman" panose="02020603050405020304" pitchFamily="18" charset="0"/>
-              <a:ea typeface="Calibri" panose="020F0502020204030204" pitchFamily="34" charset="0"/>
-              <a:cs typeface="Times New Roman" panose="02020603050405020304" pitchFamily="18" charset="0"/>
-            </a:endParaRPr>
-          </a:p>
-          <a:p>
-            <a:pPr lvl="0">
-              <a:lnSpc>
-                <a:spcPct val="107000"/>
-              </a:lnSpc>
-              <a:spcAft>
-                <a:spcPts val="0"/>
-              </a:spcAft>
-            </a:pPr>
-            <a:r>
-              <a:rPr lang="en-US" sz="2400" dirty="0" err="1">
-                <a:latin typeface="Times New Roman" panose="02020603050405020304" pitchFamily="18" charset="0"/>
-                <a:ea typeface="Calibri" panose="020F0502020204030204" pitchFamily="34" charset="0"/>
-                <a:cs typeface="Times New Roman" panose="02020603050405020304" pitchFamily="18" charset="0"/>
-              </a:rPr>
-              <a:t>CoreML</a:t>
-            </a:r>
-            <a:r>
-              <a:rPr lang="en-US" sz="2400" dirty="0">
-                <a:latin typeface="Times New Roman" panose="02020603050405020304" pitchFamily="18" charset="0"/>
-                <a:ea typeface="Calibri" panose="020F0502020204030204" pitchFamily="34" charset="0"/>
-                <a:cs typeface="Times New Roman" panose="02020603050405020304" pitchFamily="18" charset="0"/>
-              </a:rPr>
-              <a:t> </a:t>
-            </a:r>
-            <a:r>
-              <a:rPr lang="ru-RU" sz="2400" dirty="0">
-                <a:latin typeface="Times New Roman" panose="02020603050405020304" pitchFamily="18" charset="0"/>
-                <a:ea typeface="Calibri" panose="020F0502020204030204" pitchFamily="34" charset="0"/>
-                <a:cs typeface="Times New Roman" panose="02020603050405020304" pitchFamily="18" charset="0"/>
-              </a:rPr>
-              <a:t>– это фреймворк разработанный компанией </a:t>
-            </a:r>
-            <a:r>
-              <a:rPr lang="en-US" sz="2400" dirty="0">
-                <a:latin typeface="Times New Roman" panose="02020603050405020304" pitchFamily="18" charset="0"/>
-                <a:ea typeface="Calibri" panose="020F0502020204030204" pitchFamily="34" charset="0"/>
-                <a:cs typeface="Times New Roman" panose="02020603050405020304" pitchFamily="18" charset="0"/>
-              </a:rPr>
-              <a:t>Apple </a:t>
-            </a:r>
-            <a:r>
-              <a:rPr lang="ru-RU" sz="2400" dirty="0">
-                <a:latin typeface="Times New Roman" panose="02020603050405020304" pitchFamily="18" charset="0"/>
-                <a:ea typeface="Calibri" panose="020F0502020204030204" pitchFamily="34" charset="0"/>
-                <a:cs typeface="Times New Roman" panose="02020603050405020304" pitchFamily="18" charset="0"/>
-              </a:rPr>
-              <a:t>для интеграции моделей машинного обучение в телефоны операционной системы </a:t>
-            </a:r>
-            <a:r>
-              <a:rPr lang="en-US" sz="2400" dirty="0">
-                <a:latin typeface="Times New Roman" panose="02020603050405020304" pitchFamily="18" charset="0"/>
-                <a:ea typeface="Calibri" panose="020F0502020204030204" pitchFamily="34" charset="0"/>
-                <a:cs typeface="Times New Roman" panose="02020603050405020304" pitchFamily="18" charset="0"/>
-              </a:rPr>
-              <a:t>iOS</a:t>
-            </a:r>
-            <a:r>
-              <a:rPr lang="ru-RU" sz="2400" dirty="0">
-                <a:latin typeface="Times New Roman" panose="02020603050405020304" pitchFamily="18" charset="0"/>
-                <a:ea typeface="Calibri" panose="020F0502020204030204" pitchFamily="34" charset="0"/>
-                <a:cs typeface="Times New Roman" panose="02020603050405020304" pitchFamily="18" charset="0"/>
-              </a:rPr>
-              <a:t>.</a:t>
-            </a:r>
-            <a:endParaRPr lang="ru-RU" sz="2400" kern="0" dirty="0">
-              <a:effectLst/>
-              <a:latin typeface="Times New Roman" panose="02020603050405020304" pitchFamily="18" charset="0"/>
-              <a:ea typeface="Times New Roman" panose="02020603050405020304" pitchFamily="18" charset="0"/>
-              <a:cs typeface="Times New Roman" panose="02020603050405020304" pitchFamily="18" charset="0"/>
-            </a:endParaRPr>
+          <p:cNvSpPr>
+            <a:spLocks noGrp="1"/>
+          </p:cNvSpPr>
+          <p:nvPr>
+            <p:ph idx="1"/>
+          </p:nvPr>
+        </p:nvSpPr>
+        <p:spPr/>
+        <p:txBody>
+          <a:bodyPr/>
+          <a:lstStyle/>
+          <a:p>
+            <a:endParaRPr lang="ru-RU"/>
+          </a:p>
+        </p:txBody>
+      </p:sp>
+      <p:sp>
+        <p:nvSpPr>
+          <p:cNvPr id="4" name="Номер слайда 3">
+            <a:extLst>
+              <a:ext uri="{FF2B5EF4-FFF2-40B4-BE49-F238E27FC236}">
+                <a16:creationId xmlns:a16="http://schemas.microsoft.com/office/drawing/2014/main" id="{C5AAD164-024A-40E3-A53D-6E40D8793A90}"/>
+              </a:ext>
+            </a:extLst>
+          </p:cNvPr>
+          <p:cNvSpPr>
+            <a:spLocks noGrp="1"/>
+          </p:cNvSpPr>
+          <p:nvPr>
+            <p:ph type="sldNum" sz="quarter" idx="12"/>
+          </p:nvPr>
+        </p:nvSpPr>
+        <p:spPr/>
+        <p:txBody>
+          <a:bodyPr/>
+          <a:lstStyle/>
+          <a:p>
+            <a:fld id="{F2AF2E1E-BC60-0946-A66B-DD309B164FA9}" type="slidenum">
+              <a:rPr lang="ru-RU" smtClean="0"/>
+              <a:t>16</a:t>
+            </a:fld>
+            <a:endParaRPr lang="ru-RU"/>
           </a:p>
         </p:txBody>
       </p:sp>
     </p:spTree>
     <p:extLst>
       <p:ext uri="{BB962C8B-B14F-4D97-AF65-F5344CB8AC3E}">
-        <p14:creationId xmlns:p14="http://schemas.microsoft.com/office/powerpoint/2010/main" val="563191902"/>
+        <p14:creationId xmlns:p14="http://schemas.microsoft.com/office/powerpoint/2010/main" val="736528918"/>
       </p:ext>
     </p:extLst>
   </p:cSld>
@@ -6738,6 +6479,366 @@
     <p:extLst>
       <p:ext uri="{BB962C8B-B14F-4D97-AF65-F5344CB8AC3E}">
         <p14:creationId xmlns:p14="http://schemas.microsoft.com/office/powerpoint/2010/main" val="1681276153"/>
+      </p:ext>
+    </p:extLst>
+  </p:cSld>
+  <p:clrMapOvr>
+    <a:masterClrMapping/>
+  </p:clrMapOvr>
+</p:sld>
+</file>
+
+<file path=ppt/slides/slide18.xml><?xml version="1.0" encoding="utf-8"?>
+<p:sld xmlns:a="http://schemas.openxmlformats.org/drawingml/2006/main" xmlns:r="http://schemas.openxmlformats.org/officeDocument/2006/relationships" xmlns:p="http://schemas.openxmlformats.org/presentationml/2006/main">
+  <p:cSld>
+    <p:spTree>
+      <p:nvGrpSpPr>
+        <p:cNvPr id="1" name=""/>
+        <p:cNvGrpSpPr/>
+        <p:nvPr/>
+      </p:nvGrpSpPr>
+      <p:grpSpPr>
+        <a:xfrm>
+          <a:off x="0" y="0"/>
+          <a:ext cx="0" cy="0"/>
+          <a:chOff x="0" y="0"/>
+          <a:chExt cx="0" cy="0"/>
+        </a:xfrm>
+      </p:grpSpPr>
+      <p:sp>
+        <p:nvSpPr>
+          <p:cNvPr id="2" name="Заголовок 1">
+            <a:extLst>
+              <a:ext uri="{FF2B5EF4-FFF2-40B4-BE49-F238E27FC236}">
+                <a16:creationId xmlns:a16="http://schemas.microsoft.com/office/drawing/2014/main" id="{D42B6EB6-1CCC-4DAD-84DF-D433B6D1C1A9}"/>
+              </a:ext>
+            </a:extLst>
+          </p:cNvPr>
+          <p:cNvSpPr>
+            <a:spLocks noGrp="1"/>
+          </p:cNvSpPr>
+          <p:nvPr>
+            <p:ph type="title"/>
+          </p:nvPr>
+        </p:nvSpPr>
+        <p:spPr/>
+        <p:txBody>
+          <a:bodyPr/>
+          <a:lstStyle/>
+          <a:p>
+            <a:r>
+              <a:rPr lang="ru-RU" dirty="0"/>
+              <a:t>Основные понятия</a:t>
+            </a:r>
+          </a:p>
+        </p:txBody>
+      </p:sp>
+      <p:sp>
+        <p:nvSpPr>
+          <p:cNvPr id="3" name="Объект 2">
+            <a:extLst>
+              <a:ext uri="{FF2B5EF4-FFF2-40B4-BE49-F238E27FC236}">
+                <a16:creationId xmlns:a16="http://schemas.microsoft.com/office/drawing/2014/main" id="{91E18D4D-D046-4140-9E26-E24503D9C488}"/>
+              </a:ext>
+            </a:extLst>
+          </p:cNvPr>
+          <p:cNvSpPr>
+            <a:spLocks noGrp="1"/>
+          </p:cNvSpPr>
+          <p:nvPr>
+            <p:ph idx="1"/>
+          </p:nvPr>
+        </p:nvSpPr>
+        <p:spPr>
+          <a:xfrm>
+            <a:off x="628650" y="1442448"/>
+            <a:ext cx="7886700" cy="4351338"/>
+          </a:xfrm>
+        </p:spPr>
+        <p:txBody>
+          <a:bodyPr>
+            <a:normAutofit/>
+          </a:bodyPr>
+          <a:lstStyle/>
+          <a:p>
+            <a:pPr marL="0" indent="0">
+              <a:buNone/>
+            </a:pPr>
+            <a:r>
+              <a:rPr lang="ru-RU" b="1" dirty="0"/>
+              <a:t>Глубокое обучение </a:t>
+            </a:r>
+            <a:r>
+              <a:rPr lang="ru-RU" dirty="0"/>
+              <a:t>—</a:t>
+            </a:r>
+            <a:r>
+              <a:rPr lang="en-US" dirty="0"/>
+              <a:t> </a:t>
+            </a:r>
+            <a:r>
+              <a:rPr lang="ru-RU" dirty="0"/>
+              <a:t>семейства методов машинного обучения, основанных на имитации работы человеческого мозга в процессе обработки данных и создания паттернов</a:t>
+            </a:r>
+            <a:r>
+              <a:rPr lang="en-US" dirty="0"/>
+              <a:t>. </a:t>
+            </a:r>
+            <a:r>
+              <a:rPr lang="ru-RU" dirty="0"/>
+              <a:t>Использует многослойную систему нелинейных фильтров для извлечения признаков с преобразованиями. Каждый последующий слой получает на входе выходные данные предыдущего слоя</a:t>
+            </a:r>
+          </a:p>
+        </p:txBody>
+      </p:sp>
+      <p:sp>
+        <p:nvSpPr>
+          <p:cNvPr id="4" name="Номер слайда 3">
+            <a:extLst>
+              <a:ext uri="{FF2B5EF4-FFF2-40B4-BE49-F238E27FC236}">
+                <a16:creationId xmlns:a16="http://schemas.microsoft.com/office/drawing/2014/main" id="{3F36131E-7009-4E1F-8F87-2CF5263326B1}"/>
+              </a:ext>
+            </a:extLst>
+          </p:cNvPr>
+          <p:cNvSpPr>
+            <a:spLocks noGrp="1"/>
+          </p:cNvSpPr>
+          <p:nvPr>
+            <p:ph type="sldNum" sz="quarter" idx="12"/>
+          </p:nvPr>
+        </p:nvSpPr>
+        <p:spPr/>
+        <p:txBody>
+          <a:bodyPr/>
+          <a:lstStyle/>
+          <a:p>
+            <a:fld id="{F2AF2E1E-BC60-0946-A66B-DD309B164FA9}" type="slidenum">
+              <a:rPr lang="ru-RU" smtClean="0"/>
+              <a:t>18</a:t>
+            </a:fld>
+            <a:endParaRPr lang="ru-RU"/>
+          </a:p>
+        </p:txBody>
+      </p:sp>
+      <p:pic>
+        <p:nvPicPr>
+          <p:cNvPr id="5" name="Рисунок 4">
+            <a:extLst>
+              <a:ext uri="{FF2B5EF4-FFF2-40B4-BE49-F238E27FC236}">
+                <a16:creationId xmlns:a16="http://schemas.microsoft.com/office/drawing/2014/main" id="{10615583-43D4-48FB-A505-45B161E8046C}"/>
+              </a:ext>
+            </a:extLst>
+          </p:cNvPr>
+          <p:cNvPicPr/>
+          <p:nvPr/>
+        </p:nvPicPr>
+        <p:blipFill>
+          <a:blip r:embed="rId2">
+            <a:extLst>
+              <a:ext uri="{28A0092B-C50C-407E-A947-70E740481C1C}">
+                <a14:useLocalDpi xmlns:a14="http://schemas.microsoft.com/office/drawing/2010/main" val="0"/>
+              </a:ext>
+            </a:extLst>
+          </a:blip>
+          <a:srcRect/>
+          <a:stretch>
+            <a:fillRect/>
+          </a:stretch>
+        </p:blipFill>
+        <p:spPr bwMode="auto">
+          <a:xfrm>
+            <a:off x="1374140" y="3926840"/>
+            <a:ext cx="5931535" cy="2273935"/>
+          </a:xfrm>
+          <a:prstGeom prst="rect">
+            <a:avLst/>
+          </a:prstGeom>
+          <a:noFill/>
+          <a:ln>
+            <a:noFill/>
+          </a:ln>
+        </p:spPr>
+      </p:pic>
+    </p:spTree>
+    <p:extLst>
+      <p:ext uri="{BB962C8B-B14F-4D97-AF65-F5344CB8AC3E}">
+        <p14:creationId xmlns:p14="http://schemas.microsoft.com/office/powerpoint/2010/main" val="261578481"/>
+      </p:ext>
+    </p:extLst>
+  </p:cSld>
+  <p:clrMapOvr>
+    <a:masterClrMapping/>
+  </p:clrMapOvr>
+</p:sld>
+</file>
+
+<file path=ppt/slides/slide19.xml><?xml version="1.0" encoding="utf-8"?>
+<p:sld xmlns:a="http://schemas.openxmlformats.org/drawingml/2006/main" xmlns:r="http://schemas.openxmlformats.org/officeDocument/2006/relationships" xmlns:p="http://schemas.openxmlformats.org/presentationml/2006/main">
+  <p:cSld>
+    <p:spTree>
+      <p:nvGrpSpPr>
+        <p:cNvPr id="1" name=""/>
+        <p:cNvGrpSpPr/>
+        <p:nvPr/>
+      </p:nvGrpSpPr>
+      <p:grpSpPr>
+        <a:xfrm>
+          <a:off x="0" y="0"/>
+          <a:ext cx="0" cy="0"/>
+          <a:chOff x="0" y="0"/>
+          <a:chExt cx="0" cy="0"/>
+        </a:xfrm>
+      </p:grpSpPr>
+      <p:sp>
+        <p:nvSpPr>
+          <p:cNvPr id="3" name="Объект 2">
+            <a:extLst>
+              <a:ext uri="{FF2B5EF4-FFF2-40B4-BE49-F238E27FC236}">
+                <a16:creationId xmlns:a16="http://schemas.microsoft.com/office/drawing/2014/main" id="{E2AD25C6-8955-48F6-810F-B8186C6A40B1}"/>
+              </a:ext>
+            </a:extLst>
+          </p:cNvPr>
+          <p:cNvSpPr>
+            <a:spLocks noGrp="1"/>
+          </p:cNvSpPr>
+          <p:nvPr>
+            <p:ph idx="1"/>
+          </p:nvPr>
+        </p:nvSpPr>
+        <p:spPr>
+          <a:xfrm>
+            <a:off x="611188" y="391251"/>
+            <a:ext cx="7886700" cy="4256949"/>
+          </a:xfrm>
+        </p:spPr>
+        <p:txBody>
+          <a:bodyPr>
+            <a:normAutofit/>
+          </a:bodyPr>
+          <a:lstStyle/>
+          <a:p>
+            <a:pPr marL="0" indent="0">
+              <a:buNone/>
+            </a:pPr>
+            <a:r>
+              <a:rPr lang="ru-RU" b="1" dirty="0" err="1"/>
+              <a:t>Сверточная</a:t>
+            </a:r>
+            <a:r>
+              <a:rPr lang="ru-RU" b="1" dirty="0"/>
+              <a:t> нейронная сеть </a:t>
+            </a:r>
+            <a:r>
+              <a:rPr lang="ru-RU" dirty="0"/>
+              <a:t>— специальная архитектура нейронных сетей, предложенная Яном </a:t>
+            </a:r>
+            <a:r>
+              <a:rPr lang="ru-RU" dirty="0" err="1"/>
+              <a:t>Лекуном</a:t>
+            </a:r>
+            <a:r>
+              <a:rPr lang="ru-RU" dirty="0"/>
+              <a:t>, изначально нацеленная на эффективное распознавание изображений.</a:t>
+            </a:r>
+          </a:p>
+          <a:p>
+            <a:pPr marL="0" indent="0">
+              <a:buNone/>
+            </a:pPr>
+            <a:r>
+              <a:rPr lang="ru-RU" dirty="0"/>
+              <a:t>Две основные концепции в </a:t>
+            </a:r>
+            <a:r>
+              <a:rPr lang="ru-RU" dirty="0" err="1"/>
+              <a:t>свёрточных</a:t>
+            </a:r>
+            <a:r>
+              <a:rPr lang="ru-RU" dirty="0"/>
+              <a:t> нейронных сетях:</a:t>
+            </a:r>
+          </a:p>
+          <a:p>
+            <a:pPr lvl="0"/>
+            <a:r>
+              <a:rPr lang="ru-RU" dirty="0"/>
+              <a:t>свёртка</a:t>
+            </a:r>
+          </a:p>
+          <a:p>
+            <a:pPr lvl="0"/>
+            <a:r>
+              <a:rPr lang="ru-RU" dirty="0"/>
+              <a:t>операция </a:t>
+            </a:r>
+            <a:r>
+              <a:rPr lang="ru-RU" dirty="0" err="1"/>
+              <a:t>подвыборки</a:t>
+            </a:r>
+            <a:r>
+              <a:rPr lang="ru-RU" dirty="0"/>
+              <a:t> (</a:t>
+            </a:r>
+            <a:r>
+              <a:rPr lang="ru-RU" dirty="0" err="1"/>
+              <a:t>pooling</a:t>
+            </a:r>
+            <a:r>
+              <a:rPr lang="ru-RU" dirty="0"/>
+              <a:t>, </a:t>
+            </a:r>
+            <a:r>
+              <a:rPr lang="ru-RU" dirty="0" err="1"/>
+              <a:t>max</a:t>
+            </a:r>
+            <a:r>
+              <a:rPr lang="ru-RU" dirty="0"/>
+              <a:t> </a:t>
+            </a:r>
+            <a:r>
+              <a:rPr lang="ru-RU" dirty="0" err="1"/>
+              <a:t>pooling</a:t>
+            </a:r>
+            <a:r>
+              <a:rPr lang="ru-RU" dirty="0"/>
+              <a:t>)</a:t>
+            </a:r>
+          </a:p>
+        </p:txBody>
+      </p:sp>
+      <p:sp>
+        <p:nvSpPr>
+          <p:cNvPr id="4" name="Номер слайда 3">
+            <a:extLst>
+              <a:ext uri="{FF2B5EF4-FFF2-40B4-BE49-F238E27FC236}">
+                <a16:creationId xmlns:a16="http://schemas.microsoft.com/office/drawing/2014/main" id="{D4160308-E217-4F9A-8F37-8D1819A6F23C}"/>
+              </a:ext>
+            </a:extLst>
+          </p:cNvPr>
+          <p:cNvSpPr>
+            <a:spLocks noGrp="1"/>
+          </p:cNvSpPr>
+          <p:nvPr>
+            <p:ph type="sldNum" sz="quarter" idx="12"/>
+          </p:nvPr>
+        </p:nvSpPr>
+        <p:spPr/>
+        <p:txBody>
+          <a:bodyPr/>
+          <a:lstStyle/>
+          <a:p>
+            <a:fld id="{F2AF2E1E-BC60-0946-A66B-DD309B164FA9}" type="slidenum">
+              <a:rPr lang="ru-RU" smtClean="0"/>
+              <a:t>19</a:t>
+            </a:fld>
+            <a:endParaRPr lang="ru-RU"/>
+          </a:p>
+        </p:txBody>
+      </p:sp>
+    </p:spTree>
+    <p:extLst>
+      <p:ext uri="{BB962C8B-B14F-4D97-AF65-F5344CB8AC3E}">
+        <p14:creationId xmlns:p14="http://schemas.microsoft.com/office/powerpoint/2010/main" val="279918435"/>
       </p:ext>
     </p:extLst>
   </p:cSld>
@@ -7611,7 +7712,7 @@
           <a:graphicData uri="http://schemas.openxmlformats.org/presentationml/2006/ole">
             <mc:AlternateContent xmlns:mc="http://schemas.openxmlformats.org/markup-compatibility/2006">
               <mc:Choice xmlns:v="urn:schemas-microsoft-com:vml" Requires="v">
-                <p:oleObj spid="_x0000_s1026" name="Документ" r:id="rId3" imgW="6604000" imgH="4140200" progId="Word.Document.12">
+                <p:oleObj spid="_x0000_s1029" name="Документ" r:id="rId3" imgW="6604000" imgH="4140200" progId="Word.Document.12">
                   <p:embed/>
                 </p:oleObj>
               </mc:Choice>
@@ -7749,162 +7850,264 @@
       </p:grpSpPr>
       <p:sp>
         <p:nvSpPr>
-          <p:cNvPr id="2" name="Заголовок 1">
+          <p:cNvPr id="2" name="TextBox 1">
             <a:extLst>
               <a:ext uri="{FF2B5EF4-FFF2-40B4-BE49-F238E27FC236}">
-                <a16:creationId xmlns:a16="http://schemas.microsoft.com/office/drawing/2014/main" id="{D42B6EB6-1CCC-4DAD-84DF-D433B6D1C1A9}"/>
+                <a16:creationId xmlns:a16="http://schemas.microsoft.com/office/drawing/2014/main" id="{D0A217E7-E973-0D48-8D60-0F40E1E6A67C}"/>
               </a:ext>
             </a:extLst>
           </p:cNvPr>
-          <p:cNvSpPr>
-            <a:spLocks noGrp="1"/>
-          </p:cNvSpPr>
-          <p:nvPr>
-            <p:ph type="title"/>
-          </p:nvPr>
-        </p:nvSpPr>
-        <p:spPr/>
-        <p:txBody>
-          <a:bodyPr/>
-          <a:lstStyle/>
-          <a:p>
-            <a:r>
-              <a:rPr lang="ru-RU" dirty="0"/>
-              <a:t>Основные понятия</a:t>
-            </a:r>
-          </a:p>
-        </p:txBody>
-      </p:sp>
-      <p:sp>
-        <p:nvSpPr>
-          <p:cNvPr id="3" name="Объект 2">
-            <a:extLst>
-              <a:ext uri="{FF2B5EF4-FFF2-40B4-BE49-F238E27FC236}">
-                <a16:creationId xmlns:a16="http://schemas.microsoft.com/office/drawing/2014/main" id="{91E18D4D-D046-4140-9E26-E24503D9C488}"/>
-              </a:ext>
-            </a:extLst>
-          </p:cNvPr>
-          <p:cNvSpPr>
-            <a:spLocks noGrp="1"/>
-          </p:cNvSpPr>
-          <p:nvPr>
-            <p:ph idx="1"/>
-          </p:nvPr>
+          <p:cNvSpPr txBox="1"/>
+          <p:nvPr/>
         </p:nvSpPr>
         <p:spPr>
           <a:xfrm>
-            <a:off x="628650" y="1442448"/>
-            <a:ext cx="7886700" cy="4351338"/>
-          </a:xfrm>
-        </p:spPr>
-        <p:txBody>
-          <a:bodyPr>
-            <a:normAutofit/>
-          </a:bodyPr>
-          <a:lstStyle/>
-          <a:p>
-            <a:pPr marL="0" indent="0">
-              <a:buNone/>
-            </a:pPr>
-            <a:r>
-              <a:rPr lang="ru-RU" b="1" dirty="0"/>
-              <a:t>Глубокое обучение </a:t>
-            </a:r>
-            <a:r>
-              <a:rPr lang="ru-RU" dirty="0"/>
-              <a:t>—</a:t>
-            </a:r>
-            <a:r>
-              <a:rPr lang="en-US" dirty="0"/>
-              <a:t> </a:t>
-            </a:r>
-            <a:r>
-              <a:rPr lang="ru-RU" dirty="0"/>
-              <a:t>семейства методов машинного обучения, основанных на имитации работы человеческого мозга в процессе обработки данных и создания паттернов</a:t>
-            </a:r>
-            <a:r>
-              <a:rPr lang="en-US" dirty="0"/>
-              <a:t>. </a:t>
-            </a:r>
-            <a:r>
-              <a:rPr lang="ru-RU" dirty="0"/>
-              <a:t>Использует многослойную систему нелинейных фильтров для извлечения признаков с преобразованиями. Каждый последующий слой получает на входе выходные данные предыдущего слоя</a:t>
-            </a:r>
-          </a:p>
-        </p:txBody>
-      </p:sp>
-      <p:sp>
-        <p:nvSpPr>
-          <p:cNvPr id="4" name="Номер слайда 3">
-            <a:extLst>
-              <a:ext uri="{FF2B5EF4-FFF2-40B4-BE49-F238E27FC236}">
-                <a16:creationId xmlns:a16="http://schemas.microsoft.com/office/drawing/2014/main" id="{3F36131E-7009-4E1F-8F87-2CF5263326B1}"/>
-              </a:ext>
-            </a:extLst>
-          </p:cNvPr>
-          <p:cNvSpPr>
-            <a:spLocks noGrp="1"/>
-          </p:cNvSpPr>
-          <p:nvPr>
-            <p:ph type="sldNum" sz="quarter" idx="12"/>
-          </p:nvPr>
-        </p:nvSpPr>
-        <p:spPr/>
-        <p:txBody>
-          <a:bodyPr/>
-          <a:lstStyle/>
-          <a:p>
-            <a:fld id="{F2AF2E1E-BC60-0946-A66B-DD309B164FA9}" type="slidenum">
-              <a:rPr lang="ru-RU" smtClean="0"/>
-              <a:t>6</a:t>
-            </a:fld>
-            <a:endParaRPr lang="ru-RU"/>
-          </a:p>
-        </p:txBody>
-      </p:sp>
-      <p:pic>
-        <p:nvPicPr>
-          <p:cNvPr id="5" name="Рисунок 4">
-            <a:extLst>
-              <a:ext uri="{FF2B5EF4-FFF2-40B4-BE49-F238E27FC236}">
-                <a16:creationId xmlns:a16="http://schemas.microsoft.com/office/drawing/2014/main" id="{10615583-43D4-48FB-A505-45B161E8046C}"/>
-              </a:ext>
-            </a:extLst>
-          </p:cNvPr>
-          <p:cNvPicPr/>
-          <p:nvPr/>
-        </p:nvPicPr>
-        <p:blipFill>
-          <a:blip r:embed="rId2">
-            <a:extLst>
-              <a:ext uri="{28A0092B-C50C-407E-A947-70E740481C1C}">
-                <a14:useLocalDpi xmlns:a14="http://schemas.microsoft.com/office/drawing/2010/main" val="0"/>
-              </a:ext>
-            </a:extLst>
-          </a:blip>
-          <a:srcRect/>
-          <a:stretch>
-            <a:fillRect/>
-          </a:stretch>
-        </p:blipFill>
-        <p:spPr bwMode="auto">
-          <a:xfrm>
-            <a:off x="1374140" y="3926840"/>
-            <a:ext cx="5931535" cy="2273935"/>
+            <a:off x="611188" y="419735"/>
+            <a:ext cx="3582071" cy="584775"/>
           </a:xfrm>
           <a:prstGeom prst="rect">
             <a:avLst/>
           </a:prstGeom>
           <a:noFill/>
-          <a:ln>
-            <a:noFill/>
-          </a:ln>
         </p:spPr>
-      </p:pic>
+        <p:txBody>
+          <a:bodyPr wrap="none" rtlCol="0">
+            <a:spAutoFit/>
+          </a:bodyPr>
+          <a:lstStyle/>
+          <a:p>
+            <a:r>
+              <a:rPr lang="ru-RU" sz="3200" dirty="0"/>
+              <a:t>Разработка модели </a:t>
+            </a:r>
+          </a:p>
+        </p:txBody>
+      </p:sp>
+      <p:sp>
+        <p:nvSpPr>
+          <p:cNvPr id="4" name="TextBox 3">
+            <a:extLst>
+              <a:ext uri="{FF2B5EF4-FFF2-40B4-BE49-F238E27FC236}">
+                <a16:creationId xmlns:a16="http://schemas.microsoft.com/office/drawing/2014/main" id="{E1ADD068-71BD-9342-BA37-02379B16518E}"/>
+              </a:ext>
+            </a:extLst>
+          </p:cNvPr>
+          <p:cNvSpPr txBox="1"/>
+          <p:nvPr/>
+        </p:nvSpPr>
+        <p:spPr>
+          <a:xfrm>
+            <a:off x="611188" y="3186298"/>
+            <a:ext cx="7921625" cy="1200329"/>
+          </a:xfrm>
+          <a:prstGeom prst="rect">
+            <a:avLst/>
+          </a:prstGeom>
+          <a:noFill/>
+        </p:spPr>
+        <p:txBody>
+          <a:bodyPr wrap="square" rtlCol="0">
+            <a:spAutoFit/>
+          </a:bodyPr>
+          <a:lstStyle/>
+          <a:p>
+            <a:r>
+              <a:rPr lang="ru-RU" sz="2400" dirty="0" err="1"/>
+              <a:t>Датасет</a:t>
+            </a:r>
+            <a:r>
+              <a:rPr lang="ru-RU" sz="2400" dirty="0"/>
+              <a:t> составляется из пар цветных изображений с его черно-белой версией. Данные нормализуются в диапазоне от -1 до 1</a:t>
+            </a:r>
+          </a:p>
+        </p:txBody>
+      </p:sp>
+      <p:sp>
+        <p:nvSpPr>
+          <p:cNvPr id="3" name="Номер слайда 2">
+            <a:extLst>
+              <a:ext uri="{FF2B5EF4-FFF2-40B4-BE49-F238E27FC236}">
+                <a16:creationId xmlns:a16="http://schemas.microsoft.com/office/drawing/2014/main" id="{CB254E97-132F-4167-A2A1-70C0A8D783B0}"/>
+              </a:ext>
+            </a:extLst>
+          </p:cNvPr>
+          <p:cNvSpPr>
+            <a:spLocks noGrp="1"/>
+          </p:cNvSpPr>
+          <p:nvPr>
+            <p:ph type="sldNum" sz="quarter" idx="12"/>
+          </p:nvPr>
+        </p:nvSpPr>
+        <p:spPr/>
+        <p:txBody>
+          <a:bodyPr/>
+          <a:lstStyle/>
+          <a:p>
+            <a:fld id="{6DA12EE1-EEA5-4AF3-B4EE-82DF0E32AA3F}" type="slidenum">
+              <a:rPr lang="ru-RU" smtClean="0"/>
+              <a:pPr/>
+              <a:t>6</a:t>
+            </a:fld>
+            <a:endParaRPr lang="ru-RU" dirty="0"/>
+          </a:p>
+        </p:txBody>
+      </p:sp>
+      <p:sp>
+        <p:nvSpPr>
+          <p:cNvPr id="5" name="Прямоугольник 4">
+            <a:extLst>
+              <a:ext uri="{FF2B5EF4-FFF2-40B4-BE49-F238E27FC236}">
+                <a16:creationId xmlns:a16="http://schemas.microsoft.com/office/drawing/2014/main" id="{7CFF7810-EEE4-479D-B29F-29B3E4753C32}"/>
+              </a:ext>
+            </a:extLst>
+          </p:cNvPr>
+          <p:cNvSpPr/>
+          <p:nvPr/>
+        </p:nvSpPr>
+        <p:spPr>
+          <a:xfrm>
+            <a:off x="611188" y="1108694"/>
+            <a:ext cx="7904162" cy="1778179"/>
+          </a:xfrm>
+          <a:prstGeom prst="rect">
+            <a:avLst/>
+          </a:prstGeom>
+        </p:spPr>
+        <p:txBody>
+          <a:bodyPr wrap="square">
+            <a:spAutoFit/>
+          </a:bodyPr>
+          <a:lstStyle/>
+          <a:p>
+            <a:pPr>
+              <a:lnSpc>
+                <a:spcPct val="107000"/>
+              </a:lnSpc>
+              <a:spcBef>
+                <a:spcPts val="200"/>
+              </a:spcBef>
+              <a:spcAft>
+                <a:spcPts val="0"/>
+              </a:spcAft>
+            </a:pPr>
+            <a:r>
+              <a:rPr lang="ru-RU" sz="2800" b="1" dirty="0">
+                <a:latin typeface="Times New Roman" panose="02020603050405020304" pitchFamily="18" charset="0"/>
+                <a:ea typeface="Times New Roman" panose="02020603050405020304" pitchFamily="18" charset="0"/>
+                <a:cs typeface="Times New Roman" panose="02020603050405020304" pitchFamily="18" charset="0"/>
+              </a:rPr>
+              <a:t>Архитектура</a:t>
+            </a:r>
+            <a:r>
+              <a:rPr lang="ru-RU" sz="3200" b="1" dirty="0">
+                <a:latin typeface="Times New Roman" panose="02020603050405020304" pitchFamily="18" charset="0"/>
+                <a:ea typeface="Times New Roman" panose="02020603050405020304" pitchFamily="18" charset="0"/>
+                <a:cs typeface="Times New Roman" panose="02020603050405020304" pitchFamily="18" charset="0"/>
+              </a:rPr>
+              <a:t> </a:t>
+            </a:r>
+            <a:r>
+              <a:rPr lang="ru-RU" sz="2800" b="1" dirty="0">
+                <a:latin typeface="Times New Roman" panose="02020603050405020304" pitchFamily="18" charset="0"/>
+                <a:ea typeface="Times New Roman" panose="02020603050405020304" pitchFamily="18" charset="0"/>
+                <a:cs typeface="Times New Roman" panose="02020603050405020304" pitchFamily="18" charset="0"/>
+              </a:rPr>
+              <a:t>модели</a:t>
+            </a:r>
+            <a:endParaRPr lang="ru-RU" sz="3200" b="1" dirty="0">
+              <a:latin typeface="Times New Roman" panose="02020603050405020304" pitchFamily="18" charset="0"/>
+              <a:ea typeface="Times New Roman" panose="02020603050405020304" pitchFamily="18" charset="0"/>
+              <a:cs typeface="Times New Roman" panose="02020603050405020304" pitchFamily="18" charset="0"/>
+            </a:endParaRPr>
+          </a:p>
+          <a:p>
+            <a:pPr>
+              <a:lnSpc>
+                <a:spcPct val="107000"/>
+              </a:lnSpc>
+              <a:spcAft>
+                <a:spcPts val="800"/>
+              </a:spcAft>
+            </a:pPr>
+            <a:r>
+              <a:rPr lang="ru-RU" sz="2400" dirty="0">
+                <a:latin typeface="Times New Roman" panose="02020603050405020304" pitchFamily="18" charset="0"/>
+                <a:ea typeface="Calibri" panose="020F0502020204030204" pitchFamily="34" charset="0"/>
+                <a:cs typeface="Times New Roman" panose="02020603050405020304" pitchFamily="18" charset="0"/>
+              </a:rPr>
+              <a:t>Модель является глубокой нейронной сетью </a:t>
+            </a:r>
+            <a:r>
+              <a:rPr lang="en-US" sz="2400" dirty="0">
+                <a:latin typeface="Times New Roman" panose="02020603050405020304" pitchFamily="18" charset="0"/>
+                <a:ea typeface="Calibri" panose="020F0502020204030204" pitchFamily="34" charset="0"/>
+                <a:cs typeface="Times New Roman" panose="02020603050405020304" pitchFamily="18" charset="0"/>
+              </a:rPr>
+              <a:t>GAN </a:t>
+            </a:r>
+            <a:r>
+              <a:rPr lang="ru-RU" sz="2400" dirty="0">
+                <a:latin typeface="Times New Roman" panose="02020603050405020304" pitchFamily="18" charset="0"/>
+                <a:ea typeface="Calibri" panose="020F0502020204030204" pitchFamily="34" charset="0"/>
+                <a:cs typeface="Times New Roman" panose="02020603050405020304" pitchFamily="18" charset="0"/>
+              </a:rPr>
+              <a:t>где генеративная модель это </a:t>
+            </a:r>
+            <a:r>
+              <a:rPr lang="en-US" sz="2400" dirty="0">
+                <a:latin typeface="Times New Roman" panose="02020603050405020304" pitchFamily="18" charset="0"/>
+                <a:ea typeface="Calibri" panose="020F0502020204030204" pitchFamily="34" charset="0"/>
+                <a:cs typeface="Times New Roman" panose="02020603050405020304" pitchFamily="18" charset="0"/>
+              </a:rPr>
+              <a:t>U</a:t>
+            </a:r>
+            <a:r>
+              <a:rPr lang="ru-RU" sz="2400" dirty="0">
+                <a:latin typeface="Times New Roman" panose="02020603050405020304" pitchFamily="18" charset="0"/>
+                <a:ea typeface="Calibri" panose="020F0502020204030204" pitchFamily="34" charset="0"/>
+                <a:cs typeface="Times New Roman" panose="02020603050405020304" pitchFamily="18" charset="0"/>
+              </a:rPr>
+              <a:t>-</a:t>
+            </a:r>
+            <a:r>
+              <a:rPr lang="en-US" sz="2400" dirty="0">
+                <a:latin typeface="Times New Roman" panose="02020603050405020304" pitchFamily="18" charset="0"/>
+                <a:ea typeface="Calibri" panose="020F0502020204030204" pitchFamily="34" charset="0"/>
+                <a:cs typeface="Times New Roman" panose="02020603050405020304" pitchFamily="18" charset="0"/>
+              </a:rPr>
+              <a:t>Net</a:t>
+            </a:r>
+            <a:r>
+              <a:rPr lang="ru-RU" sz="2400" dirty="0">
+                <a:latin typeface="Times New Roman" panose="02020603050405020304" pitchFamily="18" charset="0"/>
+                <a:ea typeface="Calibri" panose="020F0502020204030204" pitchFamily="34" charset="0"/>
+                <a:cs typeface="Times New Roman" panose="02020603050405020304" pitchFamily="18" charset="0"/>
+              </a:rPr>
+              <a:t>. Функция потерь это комбинация </a:t>
+            </a:r>
+            <a:r>
+              <a:rPr lang="en-US" sz="2400" dirty="0">
+                <a:latin typeface="Times New Roman" panose="02020603050405020304" pitchFamily="18" charset="0"/>
+                <a:ea typeface="Calibri" panose="020F0502020204030204" pitchFamily="34" charset="0"/>
+                <a:cs typeface="Times New Roman" panose="02020603050405020304" pitchFamily="18" charset="0"/>
+              </a:rPr>
+              <a:t>Feature Loss </a:t>
+            </a:r>
+            <a:r>
+              <a:rPr lang="ru-RU" sz="2400" dirty="0">
+                <a:latin typeface="Times New Roman" panose="02020603050405020304" pitchFamily="18" charset="0"/>
+                <a:ea typeface="Calibri" panose="020F0502020204030204" pitchFamily="34" charset="0"/>
+                <a:cs typeface="Times New Roman" panose="02020603050405020304" pitchFamily="18" charset="0"/>
+              </a:rPr>
+              <a:t>и потери дискриминатора. </a:t>
+            </a:r>
+          </a:p>
+        </p:txBody>
+      </p:sp>
     </p:spTree>
     <p:extLst>
       <p:ext uri="{BB962C8B-B14F-4D97-AF65-F5344CB8AC3E}">
-        <p14:creationId xmlns:p14="http://schemas.microsoft.com/office/powerpoint/2010/main" val="261578481"/>
+        <p14:creationId xmlns:p14="http://schemas.microsoft.com/office/powerpoint/2010/main" val="3783649841"/>
       </p:ext>
     </p:extLst>
   </p:cSld>
@@ -7915,182 +8118,6 @@
 </file>
 
 <file path=ppt/slides/slide7.xml><?xml version="1.0" encoding="utf-8"?>
-<p:sld xmlns:a="http://schemas.openxmlformats.org/drawingml/2006/main" xmlns:r="http://schemas.openxmlformats.org/officeDocument/2006/relationships" xmlns:p="http://schemas.openxmlformats.org/presentationml/2006/main">
-  <p:cSld>
-    <p:spTree>
-      <p:nvGrpSpPr>
-        <p:cNvPr id="1" name=""/>
-        <p:cNvGrpSpPr/>
-        <p:nvPr/>
-      </p:nvGrpSpPr>
-      <p:grpSpPr>
-        <a:xfrm>
-          <a:off x="0" y="0"/>
-          <a:ext cx="0" cy="0"/>
-          <a:chOff x="0" y="0"/>
-          <a:chExt cx="0" cy="0"/>
-        </a:xfrm>
-      </p:grpSpPr>
-      <p:sp>
-        <p:nvSpPr>
-          <p:cNvPr id="3" name="Объект 2">
-            <a:extLst>
-              <a:ext uri="{FF2B5EF4-FFF2-40B4-BE49-F238E27FC236}">
-                <a16:creationId xmlns:a16="http://schemas.microsoft.com/office/drawing/2014/main" id="{E2AD25C6-8955-48F6-810F-B8186C6A40B1}"/>
-              </a:ext>
-            </a:extLst>
-          </p:cNvPr>
-          <p:cNvSpPr>
-            <a:spLocks noGrp="1"/>
-          </p:cNvSpPr>
-          <p:nvPr>
-            <p:ph idx="1"/>
-          </p:nvPr>
-        </p:nvSpPr>
-        <p:spPr>
-          <a:xfrm>
-            <a:off x="611188" y="391251"/>
-            <a:ext cx="7886700" cy="4256949"/>
-          </a:xfrm>
-        </p:spPr>
-        <p:txBody>
-          <a:bodyPr>
-            <a:normAutofit/>
-          </a:bodyPr>
-          <a:lstStyle/>
-          <a:p>
-            <a:pPr marL="0" indent="0">
-              <a:buNone/>
-            </a:pPr>
-            <a:r>
-              <a:rPr lang="ru-RU" b="1" dirty="0" err="1"/>
-              <a:t>Сверточная</a:t>
-            </a:r>
-            <a:r>
-              <a:rPr lang="ru-RU" b="1" dirty="0"/>
-              <a:t> нейронная сеть </a:t>
-            </a:r>
-            <a:r>
-              <a:rPr lang="ru-RU" dirty="0"/>
-              <a:t>— специальная архитектура нейронных сетей, предложенная Яном </a:t>
-            </a:r>
-            <a:r>
-              <a:rPr lang="ru-RU" dirty="0" err="1"/>
-              <a:t>Лекуном</a:t>
-            </a:r>
-            <a:r>
-              <a:rPr lang="ru-RU" dirty="0"/>
-              <a:t>, изначально нацеленная на эффективное распознавание изображений.</a:t>
-            </a:r>
-          </a:p>
-          <a:p>
-            <a:pPr marL="0" indent="0">
-              <a:buNone/>
-            </a:pPr>
-            <a:r>
-              <a:rPr lang="ru-RU" dirty="0"/>
-              <a:t>Две основные концепции в </a:t>
-            </a:r>
-            <a:r>
-              <a:rPr lang="ru-RU" dirty="0" err="1"/>
-              <a:t>свёрточных</a:t>
-            </a:r>
-            <a:r>
-              <a:rPr lang="ru-RU" dirty="0"/>
-              <a:t> нейронных сетях:</a:t>
-            </a:r>
-          </a:p>
-          <a:p>
-            <a:pPr lvl="0"/>
-            <a:r>
-              <a:rPr lang="ru-RU" dirty="0"/>
-              <a:t>свёртка</a:t>
-            </a:r>
-          </a:p>
-          <a:p>
-            <a:pPr lvl="0"/>
-            <a:r>
-              <a:rPr lang="ru-RU" dirty="0"/>
-              <a:t>операция </a:t>
-            </a:r>
-            <a:r>
-              <a:rPr lang="ru-RU" dirty="0" err="1"/>
-              <a:t>подвыборки</a:t>
-            </a:r>
-            <a:r>
-              <a:rPr lang="ru-RU" dirty="0"/>
-              <a:t> (</a:t>
-            </a:r>
-            <a:r>
-              <a:rPr lang="ru-RU" dirty="0" err="1"/>
-              <a:t>pooling</a:t>
-            </a:r>
-            <a:r>
-              <a:rPr lang="ru-RU" dirty="0"/>
-              <a:t>, </a:t>
-            </a:r>
-            <a:r>
-              <a:rPr lang="ru-RU" dirty="0" err="1"/>
-              <a:t>max</a:t>
-            </a:r>
-            <a:r>
-              <a:rPr lang="ru-RU" dirty="0"/>
-              <a:t> </a:t>
-            </a:r>
-            <a:r>
-              <a:rPr lang="ru-RU" dirty="0" err="1"/>
-              <a:t>pooling</a:t>
-            </a:r>
-            <a:r>
-              <a:rPr lang="ru-RU" dirty="0"/>
-              <a:t>)</a:t>
-            </a:r>
-          </a:p>
-        </p:txBody>
-      </p:sp>
-      <p:sp>
-        <p:nvSpPr>
-          <p:cNvPr id="4" name="Номер слайда 3">
-            <a:extLst>
-              <a:ext uri="{FF2B5EF4-FFF2-40B4-BE49-F238E27FC236}">
-                <a16:creationId xmlns:a16="http://schemas.microsoft.com/office/drawing/2014/main" id="{D4160308-E217-4F9A-8F37-8D1819A6F23C}"/>
-              </a:ext>
-            </a:extLst>
-          </p:cNvPr>
-          <p:cNvSpPr>
-            <a:spLocks noGrp="1"/>
-          </p:cNvSpPr>
-          <p:nvPr>
-            <p:ph type="sldNum" sz="quarter" idx="12"/>
-          </p:nvPr>
-        </p:nvSpPr>
-        <p:spPr/>
-        <p:txBody>
-          <a:bodyPr/>
-          <a:lstStyle/>
-          <a:p>
-            <a:fld id="{F2AF2E1E-BC60-0946-A66B-DD309B164FA9}" type="slidenum">
-              <a:rPr lang="ru-RU" smtClean="0"/>
-              <a:t>7</a:t>
-            </a:fld>
-            <a:endParaRPr lang="ru-RU"/>
-          </a:p>
-        </p:txBody>
-      </p:sp>
-    </p:spTree>
-    <p:extLst>
-      <p:ext uri="{BB962C8B-B14F-4D97-AF65-F5344CB8AC3E}">
-        <p14:creationId xmlns:p14="http://schemas.microsoft.com/office/powerpoint/2010/main" val="279918435"/>
-      </p:ext>
-    </p:extLst>
-  </p:cSld>
-  <p:clrMapOvr>
-    <a:masterClrMapping/>
-  </p:clrMapOvr>
-</p:sld>
-</file>
-
-<file path=ppt/slides/slide8.xml><?xml version="1.0" encoding="utf-8"?>
 <p:sld xmlns:a="http://schemas.openxmlformats.org/drawingml/2006/main" xmlns:r="http://schemas.openxmlformats.org/officeDocument/2006/relationships" xmlns:p="http://schemas.openxmlformats.org/presentationml/2006/main">
   <p:cSld>
     <p:spTree>
@@ -8212,7 +8239,7 @@
             <a:fld id="{6DA12EE1-EEA5-4AF3-B4EE-82DF0E32AA3F}" type="slidenum">
               <a:rPr lang="ru-RU" smtClean="0"/>
               <a:pPr/>
-              <a:t>8</a:t>
+              <a:t>7</a:t>
             </a:fld>
             <a:endParaRPr lang="ru-RU" dirty="0"/>
           </a:p>
@@ -8222,6 +8249,183 @@
     <p:extLst>
       <p:ext uri="{BB962C8B-B14F-4D97-AF65-F5344CB8AC3E}">
         <p14:creationId xmlns:p14="http://schemas.microsoft.com/office/powerpoint/2010/main" val="4275539001"/>
+      </p:ext>
+    </p:extLst>
+  </p:cSld>
+  <p:clrMapOvr>
+    <a:masterClrMapping/>
+  </p:clrMapOvr>
+</p:sld>
+</file>
+
+<file path=ppt/slides/slide8.xml><?xml version="1.0" encoding="utf-8"?>
+<p:sld xmlns:a="http://schemas.openxmlformats.org/drawingml/2006/main" xmlns:r="http://schemas.openxmlformats.org/officeDocument/2006/relationships" xmlns:p="http://schemas.openxmlformats.org/presentationml/2006/main">
+  <p:cSld>
+    <p:spTree>
+      <p:nvGrpSpPr>
+        <p:cNvPr id="1" name=""/>
+        <p:cNvGrpSpPr/>
+        <p:nvPr/>
+      </p:nvGrpSpPr>
+      <p:grpSpPr>
+        <a:xfrm>
+          <a:off x="0" y="0"/>
+          <a:ext cx="0" cy="0"/>
+          <a:chOff x="0" y="0"/>
+          <a:chExt cx="0" cy="0"/>
+        </a:xfrm>
+      </p:grpSpPr>
+      <p:sp>
+        <p:nvSpPr>
+          <p:cNvPr id="2" name="Номер слайда 1">
+            <a:extLst>
+              <a:ext uri="{FF2B5EF4-FFF2-40B4-BE49-F238E27FC236}">
+                <a16:creationId xmlns:a16="http://schemas.microsoft.com/office/drawing/2014/main" id="{DD6E6062-A3C7-4EA4-BD29-3C017686A93F}"/>
+              </a:ext>
+            </a:extLst>
+          </p:cNvPr>
+          <p:cNvSpPr>
+            <a:spLocks noGrp="1"/>
+          </p:cNvSpPr>
+          <p:nvPr>
+            <p:ph type="sldNum" sz="quarter" idx="12"/>
+          </p:nvPr>
+        </p:nvSpPr>
+        <p:spPr/>
+        <p:txBody>
+          <a:bodyPr/>
+          <a:lstStyle/>
+          <a:p>
+            <a:fld id="{6DA12EE1-EEA5-4AF3-B4EE-82DF0E32AA3F}" type="slidenum">
+              <a:rPr lang="ru-RU" smtClean="0"/>
+              <a:pPr/>
+              <a:t>8</a:t>
+            </a:fld>
+            <a:endParaRPr lang="ru-RU" dirty="0"/>
+          </a:p>
+        </p:txBody>
+      </p:sp>
+      <p:sp>
+        <p:nvSpPr>
+          <p:cNvPr id="4" name="Прямоугольник 3">
+            <a:extLst>
+              <a:ext uri="{FF2B5EF4-FFF2-40B4-BE49-F238E27FC236}">
+                <a16:creationId xmlns:a16="http://schemas.microsoft.com/office/drawing/2014/main" id="{9A62FAC2-AC5D-4786-9E38-0A0ED49FEFED}"/>
+              </a:ext>
+            </a:extLst>
+          </p:cNvPr>
+          <p:cNvSpPr/>
+          <p:nvPr/>
+        </p:nvSpPr>
+        <p:spPr>
+          <a:xfrm>
+            <a:off x="611188" y="385943"/>
+            <a:ext cx="7904162" cy="1569660"/>
+          </a:xfrm>
+          <a:prstGeom prst="rect">
+            <a:avLst/>
+          </a:prstGeom>
+        </p:spPr>
+        <p:txBody>
+          <a:bodyPr wrap="square">
+            <a:spAutoFit/>
+          </a:bodyPr>
+          <a:lstStyle/>
+          <a:p>
+            <a:r>
+              <a:rPr lang="ru-RU" sz="2400" b="1" dirty="0"/>
+              <a:t>U-</a:t>
+            </a:r>
+            <a:r>
+              <a:rPr lang="ru-RU" sz="2400" b="1" dirty="0" err="1"/>
+              <a:t>Net</a:t>
+            </a:r>
+            <a:r>
+              <a:rPr lang="ru-RU" sz="2400" b="1" dirty="0"/>
+              <a:t> </a:t>
+            </a:r>
+            <a:r>
+              <a:rPr lang="ru-RU" sz="2400" dirty="0"/>
+              <a:t>— это </a:t>
+            </a:r>
+            <a:r>
+              <a:rPr lang="ru-RU" sz="2400" dirty="0" err="1"/>
+              <a:t>свёрточная</a:t>
+            </a:r>
+            <a:r>
+              <a:rPr lang="ru-RU" sz="2400" dirty="0"/>
+              <a:t> нейронная сеть, которая была создана в 2015 году для сегментации биомедицинских изображений в отделении </a:t>
+            </a:r>
+            <a:r>
+              <a:rPr lang="ru-RU" sz="2400" dirty="0" err="1"/>
+              <a:t>Computer</a:t>
+            </a:r>
+            <a:r>
+              <a:rPr lang="ru-RU" sz="2400" dirty="0"/>
+              <a:t> </a:t>
+            </a:r>
+            <a:r>
+              <a:rPr lang="ru-RU" sz="2400" dirty="0" err="1"/>
+              <a:t>Science</a:t>
+            </a:r>
+            <a:r>
+              <a:rPr lang="ru-RU" sz="2400" dirty="0"/>
+              <a:t> </a:t>
+            </a:r>
+            <a:r>
+              <a:rPr lang="ru-RU" sz="2400" dirty="0" err="1"/>
+              <a:t>Фрайбургского</a:t>
+            </a:r>
+            <a:r>
+              <a:rPr lang="ru-RU" sz="2400" dirty="0"/>
+              <a:t> университета. </a:t>
+            </a:r>
+          </a:p>
+        </p:txBody>
+      </p:sp>
+      <p:pic>
+        <p:nvPicPr>
+          <p:cNvPr id="5" name="Рисунок 4">
+            <a:extLst>
+              <a:ext uri="{FF2B5EF4-FFF2-40B4-BE49-F238E27FC236}">
+                <a16:creationId xmlns:a16="http://schemas.microsoft.com/office/drawing/2014/main" id="{5E0E76CE-BC2D-46E4-AC92-757983D90DAD}"/>
+              </a:ext>
+            </a:extLst>
+          </p:cNvPr>
+          <p:cNvPicPr/>
+          <p:nvPr/>
+        </p:nvPicPr>
+        <p:blipFill>
+          <a:blip r:embed="rId2" cstate="print">
+            <a:extLst>
+              <a:ext uri="{28A0092B-C50C-407E-A947-70E740481C1C}">
+                <a14:useLocalDpi xmlns:a14="http://schemas.microsoft.com/office/drawing/2010/main" val="0"/>
+              </a:ext>
+            </a:extLst>
+          </a:blip>
+          <a:srcRect/>
+          <a:stretch>
+            <a:fillRect/>
+          </a:stretch>
+        </p:blipFill>
+        <p:spPr bwMode="auto">
+          <a:xfrm>
+            <a:off x="1799136" y="2386491"/>
+            <a:ext cx="5545727" cy="3697151"/>
+          </a:xfrm>
+          <a:prstGeom prst="rect">
+            <a:avLst/>
+          </a:prstGeom>
+          <a:noFill/>
+          <a:ln>
+            <a:noFill/>
+          </a:ln>
+        </p:spPr>
+      </p:pic>
+    </p:spTree>
+    <p:extLst>
+      <p:ext uri="{BB962C8B-B14F-4D97-AF65-F5344CB8AC3E}">
+        <p14:creationId xmlns:p14="http://schemas.microsoft.com/office/powerpoint/2010/main" val="3028662800"/>
       </p:ext>
     </p:extLst>
   </p:cSld>
@@ -8253,7 +8457,7 @@
           <p:cNvPr id="2" name="Номер слайда 1">
             <a:extLst>
               <a:ext uri="{FF2B5EF4-FFF2-40B4-BE49-F238E27FC236}">
-                <a16:creationId xmlns:a16="http://schemas.microsoft.com/office/drawing/2014/main" id="{8351C660-D522-4D46-A346-6755AC3C4652}"/>
+                <a16:creationId xmlns:a16="http://schemas.microsoft.com/office/drawing/2014/main" id="{FC914CC6-E362-4C99-B1BC-AC1BD45C9A79}"/>
               </a:ext>
             </a:extLst>
           </p:cNvPr>
@@ -8280,10 +8484,10 @@
       </p:sp>
       <p:sp>
         <p:nvSpPr>
-          <p:cNvPr id="4" name="Прямоугольник 3">
+          <p:cNvPr id="3" name="Прямоугольник 2">
             <a:extLst>
               <a:ext uri="{FF2B5EF4-FFF2-40B4-BE49-F238E27FC236}">
-                <a16:creationId xmlns:a16="http://schemas.microsoft.com/office/drawing/2014/main" id="{BB891C6D-0980-410C-B44D-9FCD6FF781E2}"/>
+                <a16:creationId xmlns:a16="http://schemas.microsoft.com/office/drawing/2014/main" id="{CEC7F8B9-6D3F-4149-A82B-E486ECCC870E}"/>
               </a:ext>
             </a:extLst>
           </p:cNvPr>
@@ -8292,8 +8496,8 @@
         </p:nvSpPr>
         <p:spPr>
           <a:xfrm>
-            <a:off x="611187" y="368300"/>
-            <a:ext cx="7921625" cy="1200329"/>
+            <a:off x="611188" y="391691"/>
+            <a:ext cx="7904162" cy="2963696"/>
           </a:xfrm>
           <a:prstGeom prst="rect">
             <a:avLst/>
@@ -8305,71 +8509,173 @@
           </a:bodyPr>
           <a:lstStyle/>
           <a:p>
-            <a:r>
-              <a:rPr lang="ru-RU" sz="2400" b="1" dirty="0" err="1"/>
-              <a:t>Feature</a:t>
-            </a:r>
-            <a:r>
-              <a:rPr lang="ru-RU" sz="2400" b="1" dirty="0"/>
+            <a:pPr>
+              <a:lnSpc>
+                <a:spcPct val="107000"/>
+              </a:lnSpc>
+              <a:spcBef>
+                <a:spcPts val="200"/>
+              </a:spcBef>
+              <a:spcAft>
+                <a:spcPts val="0"/>
+              </a:spcAft>
+            </a:pPr>
+            <a:r>
+              <a:rPr lang="en-US" sz="2800" b="1" dirty="0">
+                <a:solidFill>
+                  <a:srgbClr val="000000"/>
+                </a:solidFill>
+                <a:latin typeface="Times New Roman" panose="02020603050405020304" pitchFamily="18" charset="0"/>
+                <a:ea typeface="Times New Roman" panose="02020603050405020304" pitchFamily="18" charset="0"/>
+                <a:cs typeface="Times New Roman" panose="02020603050405020304" pitchFamily="18" charset="0"/>
+              </a:rPr>
+              <a:t>Feature Loss</a:t>
+            </a:r>
+            <a:endParaRPr lang="ru-RU" sz="2800" b="1" dirty="0">
+              <a:solidFill>
+                <a:srgbClr val="000000"/>
+              </a:solidFill>
+              <a:latin typeface="Times New Roman" panose="02020603050405020304" pitchFamily="18" charset="0"/>
+              <a:ea typeface="Times New Roman" panose="02020603050405020304" pitchFamily="18" charset="0"/>
+              <a:cs typeface="Times New Roman" panose="02020603050405020304" pitchFamily="18" charset="0"/>
+            </a:endParaRPr>
+          </a:p>
+          <a:p>
+            <a:pPr>
+              <a:lnSpc>
+                <a:spcPct val="107000"/>
+              </a:lnSpc>
+              <a:spcAft>
+                <a:spcPts val="800"/>
+              </a:spcAft>
+            </a:pPr>
+            <a:r>
+              <a:rPr lang="ru-RU" sz="2400" dirty="0">
+                <a:latin typeface="Times New Roman" panose="02020603050405020304" pitchFamily="18" charset="0"/>
+                <a:ea typeface="Calibri" panose="020F0502020204030204" pitchFamily="34" charset="0"/>
+                <a:cs typeface="Times New Roman" panose="02020603050405020304" pitchFamily="18" charset="0"/>
+              </a:rPr>
+              <a:t>В качестве модели для </a:t>
+            </a:r>
+            <a:r>
+              <a:rPr lang="en-US" sz="2400" dirty="0">
+                <a:latin typeface="Times New Roman" panose="02020603050405020304" pitchFamily="18" charset="0"/>
+                <a:ea typeface="Calibri" panose="020F0502020204030204" pitchFamily="34" charset="0"/>
+                <a:cs typeface="Times New Roman" panose="02020603050405020304" pitchFamily="18" charset="0"/>
+              </a:rPr>
+              <a:t>feature loss </a:t>
+            </a:r>
+            <a:r>
+              <a:rPr lang="ru-RU" sz="2400" dirty="0">
+                <a:latin typeface="Times New Roman" panose="02020603050405020304" pitchFamily="18" charset="0"/>
+                <a:ea typeface="Calibri" panose="020F0502020204030204" pitchFamily="34" charset="0"/>
+                <a:cs typeface="Times New Roman" panose="02020603050405020304" pitchFamily="18" charset="0"/>
+              </a:rPr>
+              <a:t>используется модель </a:t>
+            </a:r>
+            <a:r>
+              <a:rPr lang="en-US" sz="2400" dirty="0">
+                <a:latin typeface="Times New Roman" panose="02020603050405020304" pitchFamily="18" charset="0"/>
+                <a:ea typeface="Calibri" panose="020F0502020204030204" pitchFamily="34" charset="0"/>
+                <a:cs typeface="Times New Roman" panose="02020603050405020304" pitchFamily="18" charset="0"/>
+              </a:rPr>
+              <a:t>VGG</a:t>
+            </a:r>
+            <a:r>
+              <a:rPr lang="ru-RU" sz="2400" dirty="0">
+                <a:latin typeface="Times New Roman" panose="02020603050405020304" pitchFamily="18" charset="0"/>
+                <a:ea typeface="Calibri" panose="020F0502020204030204" pitchFamily="34" charset="0"/>
+                <a:cs typeface="Times New Roman" panose="02020603050405020304" pitchFamily="18" charset="0"/>
+              </a:rPr>
+              <a:t>19 </a:t>
+            </a:r>
+            <a:r>
+              <a:rPr lang="ru-RU" sz="2400" dirty="0" err="1">
+                <a:latin typeface="Times New Roman" panose="02020603050405020304" pitchFamily="18" charset="0"/>
+                <a:ea typeface="Calibri" panose="020F0502020204030204" pitchFamily="34" charset="0"/>
+                <a:cs typeface="Times New Roman" panose="02020603050405020304" pitchFamily="18" charset="0"/>
+              </a:rPr>
+              <a:t>предобученная</a:t>
+            </a:r>
+            <a:r>
+              <a:rPr lang="ru-RU" sz="2400" dirty="0">
+                <a:latin typeface="Times New Roman" panose="02020603050405020304" pitchFamily="18" charset="0"/>
+                <a:ea typeface="Calibri" panose="020F0502020204030204" pitchFamily="34" charset="0"/>
+                <a:cs typeface="Times New Roman" panose="02020603050405020304" pitchFamily="18" charset="0"/>
+              </a:rPr>
+              <a:t> на </a:t>
+            </a:r>
+            <a:r>
+              <a:rPr lang="ru-RU" sz="2400" dirty="0" err="1">
+                <a:latin typeface="Times New Roman" panose="02020603050405020304" pitchFamily="18" charset="0"/>
+                <a:ea typeface="Calibri" panose="020F0502020204030204" pitchFamily="34" charset="0"/>
+                <a:cs typeface="Times New Roman" panose="02020603050405020304" pitchFamily="18" charset="0"/>
+              </a:rPr>
+              <a:t>датасете</a:t>
+            </a:r>
+            <a:r>
+              <a:rPr lang="ru-RU" sz="2400" dirty="0">
+                <a:latin typeface="Times New Roman" panose="02020603050405020304" pitchFamily="18" charset="0"/>
+                <a:ea typeface="Calibri" panose="020F0502020204030204" pitchFamily="34" charset="0"/>
+                <a:cs typeface="Times New Roman" panose="02020603050405020304" pitchFamily="18" charset="0"/>
+              </a:rPr>
               <a:t> </a:t>
             </a:r>
             <a:r>
-              <a:rPr lang="ru-RU" sz="2400" b="1" dirty="0" err="1"/>
-              <a:t>Loss</a:t>
-            </a:r>
-            <a:r>
-              <a:rPr lang="ru-RU" sz="2400" b="1" dirty="0"/>
-              <a:t> </a:t>
-            </a:r>
-            <a:r>
-              <a:rPr lang="ru-RU" sz="2400" dirty="0"/>
-              <a:t>– эта техника при которой вместо </a:t>
-            </a:r>
-            <a:r>
-              <a:rPr lang="ru-RU" sz="2400" dirty="0" err="1"/>
-              <a:t>попиксельного</a:t>
-            </a:r>
-            <a:r>
-              <a:rPr lang="ru-RU" sz="2400" dirty="0"/>
-              <a:t> сравнения картинок сравниваются высокоуровневые характеристики картинок.</a:t>
-            </a:r>
-          </a:p>
-        </p:txBody>
-      </p:sp>
-      <p:pic>
-        <p:nvPicPr>
-          <p:cNvPr id="6" name="Рисунок 5" descr="Изображение выглядит как снимок экрана&#10;&#10;Автоматически созданное описание">
-            <a:extLst>
-              <a:ext uri="{FF2B5EF4-FFF2-40B4-BE49-F238E27FC236}">
-                <a16:creationId xmlns:a16="http://schemas.microsoft.com/office/drawing/2014/main" id="{F6596DC2-97B5-4290-B8EC-7CD9ACA7F6C7}"/>
-              </a:ext>
-            </a:extLst>
-          </p:cNvPr>
-          <p:cNvPicPr>
-            <a:picLocks noChangeAspect="1"/>
-          </p:cNvPicPr>
-          <p:nvPr/>
-        </p:nvPicPr>
-        <p:blipFill>
-          <a:blip r:embed="rId2"/>
-          <a:stretch>
-            <a:fillRect/>
-          </a:stretch>
-        </p:blipFill>
-        <p:spPr>
-          <a:xfrm>
-            <a:off x="611187" y="1568629"/>
-            <a:ext cx="7897625" cy="4027789"/>
-          </a:xfrm>
-          <a:prstGeom prst="rect">
-            <a:avLst/>
-          </a:prstGeom>
-        </p:spPr>
-      </p:pic>
+              <a:rPr lang="en-US" sz="2400" dirty="0" err="1">
+                <a:latin typeface="Times New Roman" panose="02020603050405020304" pitchFamily="18" charset="0"/>
+                <a:ea typeface="Calibri" panose="020F0502020204030204" pitchFamily="34" charset="0"/>
+                <a:cs typeface="Times New Roman" panose="02020603050405020304" pitchFamily="18" charset="0"/>
+              </a:rPr>
+              <a:t>imagenet</a:t>
+            </a:r>
+            <a:r>
+              <a:rPr lang="ru-RU" sz="2400" dirty="0">
+                <a:latin typeface="Times New Roman" panose="02020603050405020304" pitchFamily="18" charset="0"/>
+                <a:ea typeface="Calibri" panose="020F0502020204030204" pitchFamily="34" charset="0"/>
+                <a:cs typeface="Times New Roman" panose="02020603050405020304" pitchFamily="18" charset="0"/>
+              </a:rPr>
+              <a:t>. В качестве </a:t>
+            </a:r>
+            <a:r>
+              <a:rPr lang="en-US" sz="2400" dirty="0">
+                <a:latin typeface="Times New Roman" panose="02020603050405020304" pitchFamily="18" charset="0"/>
+                <a:ea typeface="Calibri" panose="020F0502020204030204" pitchFamily="34" charset="0"/>
+                <a:cs typeface="Times New Roman" panose="02020603050405020304" pitchFamily="18" charset="0"/>
+              </a:rPr>
+              <a:t>output</a:t>
+            </a:r>
+            <a:r>
+              <a:rPr lang="ru-RU" sz="2400" dirty="0">
+                <a:latin typeface="Times New Roman" panose="02020603050405020304" pitchFamily="18" charset="0"/>
+                <a:ea typeface="Calibri" panose="020F0502020204030204" pitchFamily="34" charset="0"/>
+                <a:cs typeface="Times New Roman" panose="02020603050405020304" pitchFamily="18" charset="0"/>
+              </a:rPr>
+              <a:t>-а используется не вероятности классов, а из него извлекаются слой характеристик. Модель во время обучения </a:t>
+            </a:r>
+            <a:r>
+              <a:rPr lang="en-US" sz="2400" dirty="0">
+                <a:latin typeface="Times New Roman" panose="02020603050405020304" pitchFamily="18" charset="0"/>
+                <a:ea typeface="Calibri" panose="020F0502020204030204" pitchFamily="34" charset="0"/>
+                <a:cs typeface="Times New Roman" panose="02020603050405020304" pitchFamily="18" charset="0"/>
+              </a:rPr>
+              <a:t>GAN </a:t>
+            </a:r>
+            <a:r>
+              <a:rPr lang="ru-RU" sz="2400" dirty="0">
+                <a:latin typeface="Times New Roman" panose="02020603050405020304" pitchFamily="18" charset="0"/>
+                <a:ea typeface="Calibri" panose="020F0502020204030204" pitchFamily="34" charset="0"/>
+                <a:cs typeface="Times New Roman" panose="02020603050405020304" pitchFamily="18" charset="0"/>
+              </a:rPr>
+              <a:t>не обучается. В качестве функции потерь используется среднеквадратичная ошибка. </a:t>
+            </a:r>
+          </a:p>
+        </p:txBody>
+      </p:sp>
     </p:spTree>
     <p:extLst>
       <p:ext uri="{BB962C8B-B14F-4D97-AF65-F5344CB8AC3E}">
-        <p14:creationId xmlns:p14="http://schemas.microsoft.com/office/powerpoint/2010/main" val="2011974424"/>
+        <p14:creationId xmlns:p14="http://schemas.microsoft.com/office/powerpoint/2010/main" val="4264870856"/>
       </p:ext>
     </p:extLst>
   </p:cSld>
